--- a/TRaining_Images.pptx
+++ b/TRaining_Images.pptx
@@ -11,6 +11,8 @@
     <p:sldId id="259" r:id="rId5"/>
     <p:sldId id="260" r:id="rId6"/>
     <p:sldId id="261" r:id="rId7"/>
+    <p:sldId id="262" r:id="rId8"/>
+    <p:sldId id="263" r:id="rId9"/>
   </p:sldIdLst>
   <p:sldSz cx="12192000" cy="6858000"/>
   <p:notesSz cx="6858000" cy="9144000"/>
@@ -109,6 +111,11 @@
       </a:defRPr>
     </a:lvl9pPr>
   </p:defaultTextStyle>
+  <p:extLst>
+    <p:ext uri="{EFAFB233-063F-42B5-8137-9DF3F51BA10A}">
+      <p15:sldGuideLst xmlns:p15="http://schemas.microsoft.com/office/powerpoint/2012/main"/>
+    </p:ext>
+  </p:extLst>
 </p:presentation>
 </file>
 
@@ -259,7 +266,7 @@
           <a:p>
             <a:fld id="{3754A691-B622-4A8F-85BE-89ED884327EE}" type="datetimeFigureOut">
               <a:rPr lang="en-US" smtClean="0"/>
-              <a:t>7/14/2022</a:t>
+              <a:t>7/15/2022</a:t>
             </a:fld>
             <a:endParaRPr lang="en-US"/>
           </a:p>
@@ -457,7 +464,7 @@
           <a:p>
             <a:fld id="{3754A691-B622-4A8F-85BE-89ED884327EE}" type="datetimeFigureOut">
               <a:rPr lang="en-US" smtClean="0"/>
-              <a:t>7/14/2022</a:t>
+              <a:t>7/15/2022</a:t>
             </a:fld>
             <a:endParaRPr lang="en-US"/>
           </a:p>
@@ -665,7 +672,7 @@
           <a:p>
             <a:fld id="{3754A691-B622-4A8F-85BE-89ED884327EE}" type="datetimeFigureOut">
               <a:rPr lang="en-US" smtClean="0"/>
-              <a:t>7/14/2022</a:t>
+              <a:t>7/15/2022</a:t>
             </a:fld>
             <a:endParaRPr lang="en-US"/>
           </a:p>
@@ -863,7 +870,7 @@
           <a:p>
             <a:fld id="{3754A691-B622-4A8F-85BE-89ED884327EE}" type="datetimeFigureOut">
               <a:rPr lang="en-US" smtClean="0"/>
-              <a:t>7/14/2022</a:t>
+              <a:t>7/15/2022</a:t>
             </a:fld>
             <a:endParaRPr lang="en-US"/>
           </a:p>
@@ -1138,7 +1145,7 @@
           <a:p>
             <a:fld id="{3754A691-B622-4A8F-85BE-89ED884327EE}" type="datetimeFigureOut">
               <a:rPr lang="en-US" smtClean="0"/>
-              <a:t>7/14/2022</a:t>
+              <a:t>7/15/2022</a:t>
             </a:fld>
             <a:endParaRPr lang="en-US"/>
           </a:p>
@@ -1403,7 +1410,7 @@
           <a:p>
             <a:fld id="{3754A691-B622-4A8F-85BE-89ED884327EE}" type="datetimeFigureOut">
               <a:rPr lang="en-US" smtClean="0"/>
-              <a:t>7/14/2022</a:t>
+              <a:t>7/15/2022</a:t>
             </a:fld>
             <a:endParaRPr lang="en-US"/>
           </a:p>
@@ -1815,7 +1822,7 @@
           <a:p>
             <a:fld id="{3754A691-B622-4A8F-85BE-89ED884327EE}" type="datetimeFigureOut">
               <a:rPr lang="en-US" smtClean="0"/>
-              <a:t>7/14/2022</a:t>
+              <a:t>7/15/2022</a:t>
             </a:fld>
             <a:endParaRPr lang="en-US"/>
           </a:p>
@@ -1956,7 +1963,7 @@
           <a:p>
             <a:fld id="{3754A691-B622-4A8F-85BE-89ED884327EE}" type="datetimeFigureOut">
               <a:rPr lang="en-US" smtClean="0"/>
-              <a:t>7/14/2022</a:t>
+              <a:t>7/15/2022</a:t>
             </a:fld>
             <a:endParaRPr lang="en-US"/>
           </a:p>
@@ -2069,7 +2076,7 @@
           <a:p>
             <a:fld id="{3754A691-B622-4A8F-85BE-89ED884327EE}" type="datetimeFigureOut">
               <a:rPr lang="en-US" smtClean="0"/>
-              <a:t>7/14/2022</a:t>
+              <a:t>7/15/2022</a:t>
             </a:fld>
             <a:endParaRPr lang="en-US"/>
           </a:p>
@@ -2380,7 +2387,7 @@
           <a:p>
             <a:fld id="{3754A691-B622-4A8F-85BE-89ED884327EE}" type="datetimeFigureOut">
               <a:rPr lang="en-US" smtClean="0"/>
-              <a:t>7/14/2022</a:t>
+              <a:t>7/15/2022</a:t>
             </a:fld>
             <a:endParaRPr lang="en-US"/>
           </a:p>
@@ -2668,7 +2675,7 @@
           <a:p>
             <a:fld id="{3754A691-B622-4A8F-85BE-89ED884327EE}" type="datetimeFigureOut">
               <a:rPr lang="en-US" smtClean="0"/>
-              <a:t>7/14/2022</a:t>
+              <a:t>7/15/2022</a:t>
             </a:fld>
             <a:endParaRPr lang="en-US"/>
           </a:p>
@@ -2909,7 +2916,7 @@
           <a:p>
             <a:fld id="{3754A691-B622-4A8F-85BE-89ED884327EE}" type="datetimeFigureOut">
               <a:rPr lang="en-US" smtClean="0"/>
-              <a:t>7/14/2022</a:t>
+              <a:t>7/15/2022</a:t>
             </a:fld>
             <a:endParaRPr lang="en-US"/>
           </a:p>
@@ -10556,6 +10563,2784 @@
 </p:sld>
 </file>
 
+<file path=ppt/slides/slide7.xml><?xml version="1.0" encoding="utf-8"?>
+<p:sld xmlns:a="http://schemas.openxmlformats.org/drawingml/2006/main" xmlns:r="http://schemas.openxmlformats.org/officeDocument/2006/relationships" xmlns:p="http://schemas.openxmlformats.org/presentationml/2006/main">
+  <p:cSld>
+    <p:spTree>
+      <p:nvGrpSpPr>
+        <p:cNvPr id="1" name=""/>
+        <p:cNvGrpSpPr/>
+        <p:nvPr/>
+      </p:nvGrpSpPr>
+      <p:grpSpPr>
+        <a:xfrm>
+          <a:off x="0" y="0"/>
+          <a:ext cx="0" cy="0"/>
+          <a:chOff x="0" y="0"/>
+          <a:chExt cx="0" cy="0"/>
+        </a:xfrm>
+      </p:grpSpPr>
+      <p:sp>
+        <p:nvSpPr>
+          <p:cNvPr id="2" name="Rectangle: Rounded Corners 1">
+            <a:extLst>
+              <a:ext uri="{FF2B5EF4-FFF2-40B4-BE49-F238E27FC236}">
+                <a16:creationId xmlns:a16="http://schemas.microsoft.com/office/drawing/2014/main" id="{E0F178F4-9795-FD85-C00F-705CDC1E2F9D}"/>
+              </a:ext>
+            </a:extLst>
+          </p:cNvPr>
+          <p:cNvSpPr/>
+          <p:nvPr/>
+        </p:nvSpPr>
+        <p:spPr>
+          <a:xfrm>
+            <a:off x="774441" y="643812"/>
+            <a:ext cx="979714" cy="681135"/>
+          </a:xfrm>
+          <a:prstGeom prst="roundRect">
+            <a:avLst/>
+          </a:prstGeom>
+        </p:spPr>
+        <p:style>
+          <a:lnRef idx="2">
+            <a:schemeClr val="accent1">
+              <a:shade val="50000"/>
+            </a:schemeClr>
+          </a:lnRef>
+          <a:fillRef idx="1">
+            <a:schemeClr val="accent1"/>
+          </a:fillRef>
+          <a:effectRef idx="0">
+            <a:schemeClr val="accent1"/>
+          </a:effectRef>
+          <a:fontRef idx="minor">
+            <a:schemeClr val="lt1"/>
+          </a:fontRef>
+        </p:style>
+        <p:txBody>
+          <a:bodyPr rtlCol="0" anchor="ctr"/>
+          <a:lstStyle/>
+          <a:p>
+            <a:pPr algn="ctr"/>
+            <a:r>
+              <a:rPr lang="en-IN" dirty="0"/>
+              <a:t>0</a:t>
+            </a:r>
+            <a:endParaRPr lang="en-US" dirty="0"/>
+          </a:p>
+        </p:txBody>
+      </p:sp>
+      <p:sp>
+        <p:nvSpPr>
+          <p:cNvPr id="3" name="Rectangle: Rounded Corners 2">
+            <a:extLst>
+              <a:ext uri="{FF2B5EF4-FFF2-40B4-BE49-F238E27FC236}">
+                <a16:creationId xmlns:a16="http://schemas.microsoft.com/office/drawing/2014/main" id="{38F70786-73A5-63CC-D0D6-6F0CA24720BB}"/>
+              </a:ext>
+            </a:extLst>
+          </p:cNvPr>
+          <p:cNvSpPr/>
+          <p:nvPr/>
+        </p:nvSpPr>
+        <p:spPr>
+          <a:xfrm>
+            <a:off x="1754155" y="643811"/>
+            <a:ext cx="979714" cy="681135"/>
+          </a:xfrm>
+          <a:prstGeom prst="roundRect">
+            <a:avLst/>
+          </a:prstGeom>
+        </p:spPr>
+        <p:style>
+          <a:lnRef idx="2">
+            <a:schemeClr val="accent1">
+              <a:shade val="50000"/>
+            </a:schemeClr>
+          </a:lnRef>
+          <a:fillRef idx="1">
+            <a:schemeClr val="accent1"/>
+          </a:fillRef>
+          <a:effectRef idx="0">
+            <a:schemeClr val="accent1"/>
+          </a:effectRef>
+          <a:fontRef idx="minor">
+            <a:schemeClr val="lt1"/>
+          </a:fontRef>
+        </p:style>
+        <p:txBody>
+          <a:bodyPr rtlCol="0" anchor="ctr"/>
+          <a:lstStyle/>
+          <a:p>
+            <a:pPr algn="ctr"/>
+            <a:r>
+              <a:rPr lang="en-IN" dirty="0"/>
+              <a:t>1</a:t>
+            </a:r>
+            <a:endParaRPr lang="en-US" dirty="0"/>
+          </a:p>
+        </p:txBody>
+      </p:sp>
+      <p:sp>
+        <p:nvSpPr>
+          <p:cNvPr id="4" name="Rectangle: Rounded Corners 3">
+            <a:extLst>
+              <a:ext uri="{FF2B5EF4-FFF2-40B4-BE49-F238E27FC236}">
+                <a16:creationId xmlns:a16="http://schemas.microsoft.com/office/drawing/2014/main" id="{EFE91ACF-762B-6B74-7EAF-114D8CC3323B}"/>
+              </a:ext>
+            </a:extLst>
+          </p:cNvPr>
+          <p:cNvSpPr/>
+          <p:nvPr/>
+        </p:nvSpPr>
+        <p:spPr>
+          <a:xfrm>
+            <a:off x="2733869" y="648475"/>
+            <a:ext cx="979714" cy="681135"/>
+          </a:xfrm>
+          <a:prstGeom prst="roundRect">
+            <a:avLst/>
+          </a:prstGeom>
+        </p:spPr>
+        <p:style>
+          <a:lnRef idx="2">
+            <a:schemeClr val="accent1">
+              <a:shade val="50000"/>
+            </a:schemeClr>
+          </a:lnRef>
+          <a:fillRef idx="1">
+            <a:schemeClr val="accent1"/>
+          </a:fillRef>
+          <a:effectRef idx="0">
+            <a:schemeClr val="accent1"/>
+          </a:effectRef>
+          <a:fontRef idx="minor">
+            <a:schemeClr val="lt1"/>
+          </a:fontRef>
+        </p:style>
+        <p:txBody>
+          <a:bodyPr rtlCol="0" anchor="ctr"/>
+          <a:lstStyle/>
+          <a:p>
+            <a:pPr algn="ctr"/>
+            <a:r>
+              <a:rPr lang="en-IN" dirty="0"/>
+              <a:t>2</a:t>
+            </a:r>
+            <a:endParaRPr lang="en-US" dirty="0"/>
+          </a:p>
+        </p:txBody>
+      </p:sp>
+      <p:sp>
+        <p:nvSpPr>
+          <p:cNvPr id="5" name="Rectangle: Rounded Corners 4">
+            <a:extLst>
+              <a:ext uri="{FF2B5EF4-FFF2-40B4-BE49-F238E27FC236}">
+                <a16:creationId xmlns:a16="http://schemas.microsoft.com/office/drawing/2014/main" id="{C956CE96-209D-295D-4BD1-0CAACB7FA93E}"/>
+              </a:ext>
+            </a:extLst>
+          </p:cNvPr>
+          <p:cNvSpPr/>
+          <p:nvPr/>
+        </p:nvSpPr>
+        <p:spPr>
+          <a:xfrm>
+            <a:off x="3713583" y="643812"/>
+            <a:ext cx="979714" cy="681135"/>
+          </a:xfrm>
+          <a:prstGeom prst="roundRect">
+            <a:avLst/>
+          </a:prstGeom>
+        </p:spPr>
+        <p:style>
+          <a:lnRef idx="2">
+            <a:schemeClr val="accent1">
+              <a:shade val="50000"/>
+            </a:schemeClr>
+          </a:lnRef>
+          <a:fillRef idx="1">
+            <a:schemeClr val="accent1"/>
+          </a:fillRef>
+          <a:effectRef idx="0">
+            <a:schemeClr val="accent1"/>
+          </a:effectRef>
+          <a:fontRef idx="minor">
+            <a:schemeClr val="lt1"/>
+          </a:fontRef>
+        </p:style>
+        <p:txBody>
+          <a:bodyPr rtlCol="0" anchor="ctr"/>
+          <a:lstStyle/>
+          <a:p>
+            <a:pPr algn="ctr"/>
+            <a:r>
+              <a:rPr lang="en-IN" dirty="0"/>
+              <a:t>3</a:t>
+            </a:r>
+            <a:endParaRPr lang="en-US" dirty="0"/>
+          </a:p>
+        </p:txBody>
+      </p:sp>
+      <p:sp>
+        <p:nvSpPr>
+          <p:cNvPr id="6" name="Rectangle: Rounded Corners 5">
+            <a:extLst>
+              <a:ext uri="{FF2B5EF4-FFF2-40B4-BE49-F238E27FC236}">
+                <a16:creationId xmlns:a16="http://schemas.microsoft.com/office/drawing/2014/main" id="{14FB87D6-99B0-6F32-FE7E-2ADEB9D2140D}"/>
+              </a:ext>
+            </a:extLst>
+          </p:cNvPr>
+          <p:cNvSpPr/>
+          <p:nvPr/>
+        </p:nvSpPr>
+        <p:spPr>
+          <a:xfrm>
+            <a:off x="4693297" y="643811"/>
+            <a:ext cx="979714" cy="681135"/>
+          </a:xfrm>
+          <a:prstGeom prst="roundRect">
+            <a:avLst/>
+          </a:prstGeom>
+        </p:spPr>
+        <p:style>
+          <a:lnRef idx="2">
+            <a:schemeClr val="accent1">
+              <a:shade val="50000"/>
+            </a:schemeClr>
+          </a:lnRef>
+          <a:fillRef idx="1">
+            <a:schemeClr val="accent1"/>
+          </a:fillRef>
+          <a:effectRef idx="0">
+            <a:schemeClr val="accent1"/>
+          </a:effectRef>
+          <a:fontRef idx="minor">
+            <a:schemeClr val="lt1"/>
+          </a:fontRef>
+        </p:style>
+        <p:txBody>
+          <a:bodyPr rtlCol="0" anchor="ctr"/>
+          <a:lstStyle/>
+          <a:p>
+            <a:pPr algn="ctr"/>
+            <a:r>
+              <a:rPr lang="en-IN" dirty="0"/>
+              <a:t>4</a:t>
+            </a:r>
+            <a:endParaRPr lang="en-US" dirty="0"/>
+          </a:p>
+        </p:txBody>
+      </p:sp>
+      <p:sp>
+        <p:nvSpPr>
+          <p:cNvPr id="7" name="Rectangle: Rounded Corners 6">
+            <a:extLst>
+              <a:ext uri="{FF2B5EF4-FFF2-40B4-BE49-F238E27FC236}">
+                <a16:creationId xmlns:a16="http://schemas.microsoft.com/office/drawing/2014/main" id="{0D76C3FC-FFFD-2271-A540-4112A12977BD}"/>
+              </a:ext>
+            </a:extLst>
+          </p:cNvPr>
+          <p:cNvSpPr/>
+          <p:nvPr/>
+        </p:nvSpPr>
+        <p:spPr>
+          <a:xfrm>
+            <a:off x="5673011" y="648475"/>
+            <a:ext cx="979714" cy="681135"/>
+          </a:xfrm>
+          <a:prstGeom prst="roundRect">
+            <a:avLst/>
+          </a:prstGeom>
+        </p:spPr>
+        <p:style>
+          <a:lnRef idx="2">
+            <a:schemeClr val="accent1">
+              <a:shade val="50000"/>
+            </a:schemeClr>
+          </a:lnRef>
+          <a:fillRef idx="1">
+            <a:schemeClr val="accent1"/>
+          </a:fillRef>
+          <a:effectRef idx="0">
+            <a:schemeClr val="accent1"/>
+          </a:effectRef>
+          <a:fontRef idx="minor">
+            <a:schemeClr val="lt1"/>
+          </a:fontRef>
+        </p:style>
+        <p:txBody>
+          <a:bodyPr rtlCol="0" anchor="ctr"/>
+          <a:lstStyle/>
+          <a:p>
+            <a:pPr algn="ctr"/>
+            <a:r>
+              <a:rPr lang="en-IN" dirty="0"/>
+              <a:t>5</a:t>
+            </a:r>
+            <a:endParaRPr lang="en-US" dirty="0"/>
+          </a:p>
+        </p:txBody>
+      </p:sp>
+      <p:sp>
+        <p:nvSpPr>
+          <p:cNvPr id="8" name="Rectangle: Rounded Corners 7">
+            <a:extLst>
+              <a:ext uri="{FF2B5EF4-FFF2-40B4-BE49-F238E27FC236}">
+                <a16:creationId xmlns:a16="http://schemas.microsoft.com/office/drawing/2014/main" id="{E22ABB73-85DC-2983-AD4D-2D2D7C198194}"/>
+              </a:ext>
+            </a:extLst>
+          </p:cNvPr>
+          <p:cNvSpPr/>
+          <p:nvPr/>
+        </p:nvSpPr>
+        <p:spPr>
+          <a:xfrm>
+            <a:off x="6652725" y="643812"/>
+            <a:ext cx="979714" cy="681135"/>
+          </a:xfrm>
+          <a:prstGeom prst="roundRect">
+            <a:avLst/>
+          </a:prstGeom>
+        </p:spPr>
+        <p:style>
+          <a:lnRef idx="2">
+            <a:schemeClr val="accent1">
+              <a:shade val="50000"/>
+            </a:schemeClr>
+          </a:lnRef>
+          <a:fillRef idx="1">
+            <a:schemeClr val="accent1"/>
+          </a:fillRef>
+          <a:effectRef idx="0">
+            <a:schemeClr val="accent1"/>
+          </a:effectRef>
+          <a:fontRef idx="minor">
+            <a:schemeClr val="lt1"/>
+          </a:fontRef>
+        </p:style>
+        <p:txBody>
+          <a:bodyPr rtlCol="0" anchor="ctr"/>
+          <a:lstStyle/>
+          <a:p>
+            <a:pPr algn="ctr"/>
+            <a:r>
+              <a:rPr lang="en-IN" dirty="0"/>
+              <a:t>6</a:t>
+            </a:r>
+            <a:endParaRPr lang="en-US" dirty="0"/>
+          </a:p>
+        </p:txBody>
+      </p:sp>
+      <p:sp>
+        <p:nvSpPr>
+          <p:cNvPr id="9" name="Rectangle: Rounded Corners 8">
+            <a:extLst>
+              <a:ext uri="{FF2B5EF4-FFF2-40B4-BE49-F238E27FC236}">
+                <a16:creationId xmlns:a16="http://schemas.microsoft.com/office/drawing/2014/main" id="{2A24601F-0F89-7FC9-8046-81389BB8B3AD}"/>
+              </a:ext>
+            </a:extLst>
+          </p:cNvPr>
+          <p:cNvSpPr/>
+          <p:nvPr/>
+        </p:nvSpPr>
+        <p:spPr>
+          <a:xfrm>
+            <a:off x="7632439" y="643811"/>
+            <a:ext cx="979714" cy="681135"/>
+          </a:xfrm>
+          <a:prstGeom prst="roundRect">
+            <a:avLst/>
+          </a:prstGeom>
+        </p:spPr>
+        <p:style>
+          <a:lnRef idx="2">
+            <a:schemeClr val="accent1">
+              <a:shade val="50000"/>
+            </a:schemeClr>
+          </a:lnRef>
+          <a:fillRef idx="1">
+            <a:schemeClr val="accent1"/>
+          </a:fillRef>
+          <a:effectRef idx="0">
+            <a:schemeClr val="accent1"/>
+          </a:effectRef>
+          <a:fontRef idx="minor">
+            <a:schemeClr val="lt1"/>
+          </a:fontRef>
+        </p:style>
+        <p:txBody>
+          <a:bodyPr rtlCol="0" anchor="ctr"/>
+          <a:lstStyle/>
+          <a:p>
+            <a:pPr algn="ctr"/>
+            <a:r>
+              <a:rPr lang="en-IN" dirty="0"/>
+              <a:t>7</a:t>
+            </a:r>
+            <a:endParaRPr lang="en-US" dirty="0"/>
+          </a:p>
+        </p:txBody>
+      </p:sp>
+      <p:sp>
+        <p:nvSpPr>
+          <p:cNvPr id="10" name="Rectangle: Rounded Corners 9">
+            <a:extLst>
+              <a:ext uri="{FF2B5EF4-FFF2-40B4-BE49-F238E27FC236}">
+                <a16:creationId xmlns:a16="http://schemas.microsoft.com/office/drawing/2014/main" id="{0BD058C2-36CE-BAC3-EA7A-000F096E13CC}"/>
+              </a:ext>
+            </a:extLst>
+          </p:cNvPr>
+          <p:cNvSpPr/>
+          <p:nvPr/>
+        </p:nvSpPr>
+        <p:spPr>
+          <a:xfrm>
+            <a:off x="8612153" y="648475"/>
+            <a:ext cx="979714" cy="681135"/>
+          </a:xfrm>
+          <a:prstGeom prst="roundRect">
+            <a:avLst/>
+          </a:prstGeom>
+        </p:spPr>
+        <p:style>
+          <a:lnRef idx="2">
+            <a:schemeClr val="accent1">
+              <a:shade val="50000"/>
+            </a:schemeClr>
+          </a:lnRef>
+          <a:fillRef idx="1">
+            <a:schemeClr val="accent1"/>
+          </a:fillRef>
+          <a:effectRef idx="0">
+            <a:schemeClr val="accent1"/>
+          </a:effectRef>
+          <a:fontRef idx="minor">
+            <a:schemeClr val="lt1"/>
+          </a:fontRef>
+        </p:style>
+        <p:txBody>
+          <a:bodyPr rtlCol="0" anchor="ctr"/>
+          <a:lstStyle/>
+          <a:p>
+            <a:pPr algn="ctr"/>
+            <a:r>
+              <a:rPr lang="en-IN" dirty="0"/>
+              <a:t>8</a:t>
+            </a:r>
+            <a:endParaRPr lang="en-US" dirty="0"/>
+          </a:p>
+        </p:txBody>
+      </p:sp>
+      <p:sp>
+        <p:nvSpPr>
+          <p:cNvPr id="11" name="Arrow: Right 10">
+            <a:extLst>
+              <a:ext uri="{FF2B5EF4-FFF2-40B4-BE49-F238E27FC236}">
+                <a16:creationId xmlns:a16="http://schemas.microsoft.com/office/drawing/2014/main" id="{7D10A24C-EF3C-3BAF-1EF2-E472DADE1D0F}"/>
+              </a:ext>
+            </a:extLst>
+          </p:cNvPr>
+          <p:cNvSpPr/>
+          <p:nvPr/>
+        </p:nvSpPr>
+        <p:spPr>
+          <a:xfrm>
+            <a:off x="839755" y="1539551"/>
+            <a:ext cx="8752112" cy="681135"/>
+          </a:xfrm>
+          <a:prstGeom prst="rightArrow">
+            <a:avLst/>
+          </a:prstGeom>
+        </p:spPr>
+        <p:style>
+          <a:lnRef idx="2">
+            <a:schemeClr val="accent1">
+              <a:shade val="50000"/>
+            </a:schemeClr>
+          </a:lnRef>
+          <a:fillRef idx="1">
+            <a:schemeClr val="accent1"/>
+          </a:fillRef>
+          <a:effectRef idx="0">
+            <a:schemeClr val="accent1"/>
+          </a:effectRef>
+          <a:fontRef idx="minor">
+            <a:schemeClr val="lt1"/>
+          </a:fontRef>
+        </p:style>
+        <p:txBody>
+          <a:bodyPr rtlCol="0" anchor="ctr"/>
+          <a:lstStyle/>
+          <a:p>
+            <a:pPr algn="ctr"/>
+            <a:r>
+              <a:rPr lang="en-IN" b="1" dirty="0"/>
+              <a:t>Contiguous</a:t>
+            </a:r>
+            <a:endParaRPr lang="en-US" b="1" dirty="0"/>
+          </a:p>
+        </p:txBody>
+      </p:sp>
+      <p:sp>
+        <p:nvSpPr>
+          <p:cNvPr id="12" name="Rectangle: Rounded Corners 11">
+            <a:extLst>
+              <a:ext uri="{FF2B5EF4-FFF2-40B4-BE49-F238E27FC236}">
+                <a16:creationId xmlns:a16="http://schemas.microsoft.com/office/drawing/2014/main" id="{5B9127F6-633E-D492-F615-4F142580CAC4}"/>
+              </a:ext>
+            </a:extLst>
+          </p:cNvPr>
+          <p:cNvSpPr/>
+          <p:nvPr/>
+        </p:nvSpPr>
+        <p:spPr>
+          <a:xfrm>
+            <a:off x="926841" y="4292084"/>
+            <a:ext cx="979714" cy="681135"/>
+          </a:xfrm>
+          <a:prstGeom prst="roundRect">
+            <a:avLst/>
+          </a:prstGeom>
+        </p:spPr>
+        <p:style>
+          <a:lnRef idx="2">
+            <a:schemeClr val="accent1">
+              <a:shade val="50000"/>
+            </a:schemeClr>
+          </a:lnRef>
+          <a:fillRef idx="1">
+            <a:schemeClr val="accent1"/>
+          </a:fillRef>
+          <a:effectRef idx="0">
+            <a:schemeClr val="accent1"/>
+          </a:effectRef>
+          <a:fontRef idx="minor">
+            <a:schemeClr val="lt1"/>
+          </a:fontRef>
+        </p:style>
+        <p:txBody>
+          <a:bodyPr rtlCol="0" anchor="ctr"/>
+          <a:lstStyle/>
+          <a:p>
+            <a:pPr algn="ctr"/>
+            <a:r>
+              <a:rPr lang="en-IN" dirty="0"/>
+              <a:t>0</a:t>
+            </a:r>
+            <a:endParaRPr lang="en-US" dirty="0"/>
+          </a:p>
+        </p:txBody>
+      </p:sp>
+      <p:sp>
+        <p:nvSpPr>
+          <p:cNvPr id="13" name="Rectangle: Rounded Corners 12">
+            <a:extLst>
+              <a:ext uri="{FF2B5EF4-FFF2-40B4-BE49-F238E27FC236}">
+                <a16:creationId xmlns:a16="http://schemas.microsoft.com/office/drawing/2014/main" id="{9B409A7B-FFCF-5DD0-ECF9-177563F0218D}"/>
+              </a:ext>
+            </a:extLst>
+          </p:cNvPr>
+          <p:cNvSpPr/>
+          <p:nvPr/>
+        </p:nvSpPr>
+        <p:spPr>
+          <a:xfrm>
+            <a:off x="2396412" y="3163079"/>
+            <a:ext cx="979714" cy="681135"/>
+          </a:xfrm>
+          <a:prstGeom prst="roundRect">
+            <a:avLst/>
+          </a:prstGeom>
+        </p:spPr>
+        <p:style>
+          <a:lnRef idx="2">
+            <a:schemeClr val="accent1">
+              <a:shade val="50000"/>
+            </a:schemeClr>
+          </a:lnRef>
+          <a:fillRef idx="1">
+            <a:schemeClr val="accent1"/>
+          </a:fillRef>
+          <a:effectRef idx="0">
+            <a:schemeClr val="accent1"/>
+          </a:effectRef>
+          <a:fontRef idx="minor">
+            <a:schemeClr val="lt1"/>
+          </a:fontRef>
+        </p:style>
+        <p:txBody>
+          <a:bodyPr rtlCol="0" anchor="ctr"/>
+          <a:lstStyle/>
+          <a:p>
+            <a:pPr algn="ctr"/>
+            <a:r>
+              <a:rPr lang="en-IN" dirty="0"/>
+              <a:t>1</a:t>
+            </a:r>
+            <a:endParaRPr lang="en-US" dirty="0"/>
+          </a:p>
+        </p:txBody>
+      </p:sp>
+      <p:sp>
+        <p:nvSpPr>
+          <p:cNvPr id="14" name="Rectangle: Rounded Corners 13">
+            <a:extLst>
+              <a:ext uri="{FF2B5EF4-FFF2-40B4-BE49-F238E27FC236}">
+                <a16:creationId xmlns:a16="http://schemas.microsoft.com/office/drawing/2014/main" id="{07612B83-2AB6-E6B4-8D2A-CB85E921B401}"/>
+              </a:ext>
+            </a:extLst>
+          </p:cNvPr>
+          <p:cNvSpPr/>
+          <p:nvPr/>
+        </p:nvSpPr>
+        <p:spPr>
+          <a:xfrm>
+            <a:off x="2886269" y="5234477"/>
+            <a:ext cx="979714" cy="681135"/>
+          </a:xfrm>
+          <a:prstGeom prst="roundRect">
+            <a:avLst/>
+          </a:prstGeom>
+        </p:spPr>
+        <p:style>
+          <a:lnRef idx="2">
+            <a:schemeClr val="accent1">
+              <a:shade val="50000"/>
+            </a:schemeClr>
+          </a:lnRef>
+          <a:fillRef idx="1">
+            <a:schemeClr val="accent1"/>
+          </a:fillRef>
+          <a:effectRef idx="0">
+            <a:schemeClr val="accent1"/>
+          </a:effectRef>
+          <a:fontRef idx="minor">
+            <a:schemeClr val="lt1"/>
+          </a:fontRef>
+        </p:style>
+        <p:txBody>
+          <a:bodyPr rtlCol="0" anchor="ctr"/>
+          <a:lstStyle/>
+          <a:p>
+            <a:pPr algn="ctr"/>
+            <a:r>
+              <a:rPr lang="en-IN" dirty="0"/>
+              <a:t>2</a:t>
+            </a:r>
+            <a:endParaRPr lang="en-US" dirty="0"/>
+          </a:p>
+        </p:txBody>
+      </p:sp>
+      <p:sp>
+        <p:nvSpPr>
+          <p:cNvPr id="15" name="Rectangle: Rounded Corners 14">
+            <a:extLst>
+              <a:ext uri="{FF2B5EF4-FFF2-40B4-BE49-F238E27FC236}">
+                <a16:creationId xmlns:a16="http://schemas.microsoft.com/office/drawing/2014/main" id="{087F1515-1BE3-3C68-7A11-C1462FEB8A1C}"/>
+              </a:ext>
+            </a:extLst>
+          </p:cNvPr>
+          <p:cNvSpPr/>
+          <p:nvPr/>
+        </p:nvSpPr>
+        <p:spPr>
+          <a:xfrm>
+            <a:off x="4472473" y="3163079"/>
+            <a:ext cx="979714" cy="681135"/>
+          </a:xfrm>
+          <a:prstGeom prst="roundRect">
+            <a:avLst/>
+          </a:prstGeom>
+        </p:spPr>
+        <p:style>
+          <a:lnRef idx="2">
+            <a:schemeClr val="accent1">
+              <a:shade val="50000"/>
+            </a:schemeClr>
+          </a:lnRef>
+          <a:fillRef idx="1">
+            <a:schemeClr val="accent1"/>
+          </a:fillRef>
+          <a:effectRef idx="0">
+            <a:schemeClr val="accent1"/>
+          </a:effectRef>
+          <a:fontRef idx="minor">
+            <a:schemeClr val="lt1"/>
+          </a:fontRef>
+        </p:style>
+        <p:txBody>
+          <a:bodyPr rtlCol="0" anchor="ctr"/>
+          <a:lstStyle/>
+          <a:p>
+            <a:pPr algn="ctr"/>
+            <a:r>
+              <a:rPr lang="en-IN" dirty="0"/>
+              <a:t>3</a:t>
+            </a:r>
+            <a:endParaRPr lang="en-US" dirty="0"/>
+          </a:p>
+        </p:txBody>
+      </p:sp>
+      <p:sp>
+        <p:nvSpPr>
+          <p:cNvPr id="16" name="Rectangle: Rounded Corners 15">
+            <a:extLst>
+              <a:ext uri="{FF2B5EF4-FFF2-40B4-BE49-F238E27FC236}">
+                <a16:creationId xmlns:a16="http://schemas.microsoft.com/office/drawing/2014/main" id="{82758F49-F995-2272-D1F1-418F721A32DF}"/>
+              </a:ext>
+            </a:extLst>
+          </p:cNvPr>
+          <p:cNvSpPr/>
+          <p:nvPr/>
+        </p:nvSpPr>
+        <p:spPr>
+          <a:xfrm>
+            <a:off x="6917093" y="5402425"/>
+            <a:ext cx="979714" cy="681135"/>
+          </a:xfrm>
+          <a:prstGeom prst="roundRect">
+            <a:avLst/>
+          </a:prstGeom>
+        </p:spPr>
+        <p:style>
+          <a:lnRef idx="2">
+            <a:schemeClr val="accent1">
+              <a:shade val="50000"/>
+            </a:schemeClr>
+          </a:lnRef>
+          <a:fillRef idx="1">
+            <a:schemeClr val="accent1"/>
+          </a:fillRef>
+          <a:effectRef idx="0">
+            <a:schemeClr val="accent1"/>
+          </a:effectRef>
+          <a:fontRef idx="minor">
+            <a:schemeClr val="lt1"/>
+          </a:fontRef>
+        </p:style>
+        <p:txBody>
+          <a:bodyPr rtlCol="0" anchor="ctr"/>
+          <a:lstStyle/>
+          <a:p>
+            <a:pPr algn="ctr"/>
+            <a:r>
+              <a:rPr lang="en-IN" dirty="0"/>
+              <a:t>4</a:t>
+            </a:r>
+            <a:endParaRPr lang="en-US" dirty="0"/>
+          </a:p>
+        </p:txBody>
+      </p:sp>
+      <p:sp>
+        <p:nvSpPr>
+          <p:cNvPr id="17" name="Rectangle: Rounded Corners 16">
+            <a:extLst>
+              <a:ext uri="{FF2B5EF4-FFF2-40B4-BE49-F238E27FC236}">
+                <a16:creationId xmlns:a16="http://schemas.microsoft.com/office/drawing/2014/main" id="{67224F8E-CE1B-38A6-6875-BEEC8881931D}"/>
+              </a:ext>
+            </a:extLst>
+          </p:cNvPr>
+          <p:cNvSpPr/>
+          <p:nvPr/>
+        </p:nvSpPr>
+        <p:spPr>
+          <a:xfrm>
+            <a:off x="6388357" y="4156788"/>
+            <a:ext cx="979714" cy="681135"/>
+          </a:xfrm>
+          <a:prstGeom prst="roundRect">
+            <a:avLst/>
+          </a:prstGeom>
+        </p:spPr>
+        <p:style>
+          <a:lnRef idx="2">
+            <a:schemeClr val="accent1">
+              <a:shade val="50000"/>
+            </a:schemeClr>
+          </a:lnRef>
+          <a:fillRef idx="1">
+            <a:schemeClr val="accent1"/>
+          </a:fillRef>
+          <a:effectRef idx="0">
+            <a:schemeClr val="accent1"/>
+          </a:effectRef>
+          <a:fontRef idx="minor">
+            <a:schemeClr val="lt1"/>
+          </a:fontRef>
+        </p:style>
+        <p:txBody>
+          <a:bodyPr rtlCol="0" anchor="ctr"/>
+          <a:lstStyle/>
+          <a:p>
+            <a:pPr algn="ctr"/>
+            <a:r>
+              <a:rPr lang="en-IN" dirty="0"/>
+              <a:t>5</a:t>
+            </a:r>
+            <a:endParaRPr lang="en-US" dirty="0"/>
+          </a:p>
+        </p:txBody>
+      </p:sp>
+      <p:sp>
+        <p:nvSpPr>
+          <p:cNvPr id="18" name="Rectangle: Rounded Corners 17">
+            <a:extLst>
+              <a:ext uri="{FF2B5EF4-FFF2-40B4-BE49-F238E27FC236}">
+                <a16:creationId xmlns:a16="http://schemas.microsoft.com/office/drawing/2014/main" id="{92C3005A-D3B5-C8C5-0206-67E6E8AC43BD}"/>
+              </a:ext>
+            </a:extLst>
+          </p:cNvPr>
+          <p:cNvSpPr/>
+          <p:nvPr/>
+        </p:nvSpPr>
+        <p:spPr>
+          <a:xfrm>
+            <a:off x="9305731" y="3489646"/>
+            <a:ext cx="979714" cy="681135"/>
+          </a:xfrm>
+          <a:prstGeom prst="roundRect">
+            <a:avLst/>
+          </a:prstGeom>
+        </p:spPr>
+        <p:style>
+          <a:lnRef idx="2">
+            <a:schemeClr val="accent1">
+              <a:shade val="50000"/>
+            </a:schemeClr>
+          </a:lnRef>
+          <a:fillRef idx="1">
+            <a:schemeClr val="accent1"/>
+          </a:fillRef>
+          <a:effectRef idx="0">
+            <a:schemeClr val="accent1"/>
+          </a:effectRef>
+          <a:fontRef idx="minor">
+            <a:schemeClr val="lt1"/>
+          </a:fontRef>
+        </p:style>
+        <p:txBody>
+          <a:bodyPr rtlCol="0" anchor="ctr"/>
+          <a:lstStyle/>
+          <a:p>
+            <a:pPr algn="ctr"/>
+            <a:r>
+              <a:rPr lang="en-IN" dirty="0"/>
+              <a:t>6</a:t>
+            </a:r>
+            <a:endParaRPr lang="en-US" dirty="0"/>
+          </a:p>
+        </p:txBody>
+      </p:sp>
+      <p:sp>
+        <p:nvSpPr>
+          <p:cNvPr id="19" name="Rectangle: Rounded Corners 18">
+            <a:extLst>
+              <a:ext uri="{FF2B5EF4-FFF2-40B4-BE49-F238E27FC236}">
+                <a16:creationId xmlns:a16="http://schemas.microsoft.com/office/drawing/2014/main" id="{D63621E6-CACC-BE46-7C89-23073A578E6D}"/>
+              </a:ext>
+            </a:extLst>
+          </p:cNvPr>
+          <p:cNvSpPr/>
+          <p:nvPr/>
+        </p:nvSpPr>
+        <p:spPr>
+          <a:xfrm>
+            <a:off x="9305731" y="5061857"/>
+            <a:ext cx="979714" cy="681135"/>
+          </a:xfrm>
+          <a:prstGeom prst="roundRect">
+            <a:avLst/>
+          </a:prstGeom>
+        </p:spPr>
+        <p:style>
+          <a:lnRef idx="2">
+            <a:schemeClr val="accent1">
+              <a:shade val="50000"/>
+            </a:schemeClr>
+          </a:lnRef>
+          <a:fillRef idx="1">
+            <a:schemeClr val="accent1"/>
+          </a:fillRef>
+          <a:effectRef idx="0">
+            <a:schemeClr val="accent1"/>
+          </a:effectRef>
+          <a:fontRef idx="minor">
+            <a:schemeClr val="lt1"/>
+          </a:fontRef>
+        </p:style>
+        <p:txBody>
+          <a:bodyPr rtlCol="0" anchor="ctr"/>
+          <a:lstStyle/>
+          <a:p>
+            <a:pPr algn="ctr"/>
+            <a:r>
+              <a:rPr lang="en-IN" dirty="0"/>
+              <a:t>7</a:t>
+            </a:r>
+            <a:endParaRPr lang="en-US" dirty="0"/>
+          </a:p>
+        </p:txBody>
+      </p:sp>
+      <p:sp>
+        <p:nvSpPr>
+          <p:cNvPr id="20" name="Rectangle: Rounded Corners 19">
+            <a:extLst>
+              <a:ext uri="{FF2B5EF4-FFF2-40B4-BE49-F238E27FC236}">
+                <a16:creationId xmlns:a16="http://schemas.microsoft.com/office/drawing/2014/main" id="{DA49C21C-08B0-7000-B4CD-46722A6FAF93}"/>
+              </a:ext>
+            </a:extLst>
+          </p:cNvPr>
+          <p:cNvSpPr/>
+          <p:nvPr/>
+        </p:nvSpPr>
+        <p:spPr>
+          <a:xfrm>
+            <a:off x="7142582" y="3046446"/>
+            <a:ext cx="979714" cy="681135"/>
+          </a:xfrm>
+          <a:prstGeom prst="roundRect">
+            <a:avLst/>
+          </a:prstGeom>
+        </p:spPr>
+        <p:style>
+          <a:lnRef idx="2">
+            <a:schemeClr val="accent1">
+              <a:shade val="50000"/>
+            </a:schemeClr>
+          </a:lnRef>
+          <a:fillRef idx="1">
+            <a:schemeClr val="accent1"/>
+          </a:fillRef>
+          <a:effectRef idx="0">
+            <a:schemeClr val="accent1"/>
+          </a:effectRef>
+          <a:fontRef idx="minor">
+            <a:schemeClr val="lt1"/>
+          </a:fontRef>
+        </p:style>
+        <p:txBody>
+          <a:bodyPr rtlCol="0" anchor="ctr"/>
+          <a:lstStyle/>
+          <a:p>
+            <a:pPr algn="ctr"/>
+            <a:r>
+              <a:rPr lang="en-IN" dirty="0"/>
+              <a:t>8</a:t>
+            </a:r>
+            <a:endParaRPr lang="en-US" dirty="0"/>
+          </a:p>
+        </p:txBody>
+      </p:sp>
+      <p:sp>
+        <p:nvSpPr>
+          <p:cNvPr id="21" name="Arrow: Right 20">
+            <a:extLst>
+              <a:ext uri="{FF2B5EF4-FFF2-40B4-BE49-F238E27FC236}">
+                <a16:creationId xmlns:a16="http://schemas.microsoft.com/office/drawing/2014/main" id="{DE9E6F12-EEE4-DD6D-9EBC-6DFF0014F518}"/>
+              </a:ext>
+            </a:extLst>
+          </p:cNvPr>
+          <p:cNvSpPr/>
+          <p:nvPr/>
+        </p:nvSpPr>
+        <p:spPr>
+          <a:xfrm>
+            <a:off x="1009263" y="6083560"/>
+            <a:ext cx="9674287" cy="681135"/>
+          </a:xfrm>
+          <a:prstGeom prst="rightArrow">
+            <a:avLst/>
+          </a:prstGeom>
+        </p:spPr>
+        <p:style>
+          <a:lnRef idx="2">
+            <a:schemeClr val="accent1">
+              <a:shade val="50000"/>
+            </a:schemeClr>
+          </a:lnRef>
+          <a:fillRef idx="1">
+            <a:schemeClr val="accent1"/>
+          </a:fillRef>
+          <a:effectRef idx="0">
+            <a:schemeClr val="accent1"/>
+          </a:effectRef>
+          <a:fontRef idx="minor">
+            <a:schemeClr val="lt1"/>
+          </a:fontRef>
+        </p:style>
+        <p:txBody>
+          <a:bodyPr rtlCol="0" anchor="ctr"/>
+          <a:lstStyle/>
+          <a:p>
+            <a:pPr algn="ctr"/>
+            <a:r>
+              <a:rPr lang="en-IN" b="1" dirty="0"/>
+              <a:t>Scattered</a:t>
+            </a:r>
+            <a:endParaRPr lang="en-US" b="1" dirty="0"/>
+          </a:p>
+        </p:txBody>
+      </p:sp>
+      <p:cxnSp>
+        <p:nvCxnSpPr>
+          <p:cNvPr id="23" name="Straight Arrow Connector 22">
+            <a:extLst>
+              <a:ext uri="{FF2B5EF4-FFF2-40B4-BE49-F238E27FC236}">
+                <a16:creationId xmlns:a16="http://schemas.microsoft.com/office/drawing/2014/main" id="{F9FAFD00-4C30-CA53-31E5-9DFCAFC48574}"/>
+              </a:ext>
+            </a:extLst>
+          </p:cNvPr>
+          <p:cNvCxnSpPr>
+            <a:stCxn id="12" idx="0"/>
+            <a:endCxn id="13" idx="1"/>
+          </p:cNvCxnSpPr>
+          <p:nvPr/>
+        </p:nvCxnSpPr>
+        <p:spPr>
+          <a:xfrm flipV="1">
+            <a:off x="1416698" y="3503647"/>
+            <a:ext cx="979714" cy="788437"/>
+          </a:xfrm>
+          <a:prstGeom prst="straightConnector1">
+            <a:avLst/>
+          </a:prstGeom>
+          <a:ln>
+            <a:tailEnd type="triangle"/>
+          </a:ln>
+        </p:spPr>
+        <p:style>
+          <a:lnRef idx="1">
+            <a:schemeClr val="accent1"/>
+          </a:lnRef>
+          <a:fillRef idx="0">
+            <a:schemeClr val="accent1"/>
+          </a:fillRef>
+          <a:effectRef idx="0">
+            <a:schemeClr val="accent1"/>
+          </a:effectRef>
+          <a:fontRef idx="minor">
+            <a:schemeClr val="tx1"/>
+          </a:fontRef>
+        </p:style>
+      </p:cxnSp>
+      <p:cxnSp>
+        <p:nvCxnSpPr>
+          <p:cNvPr id="25" name="Straight Arrow Connector 24">
+            <a:extLst>
+              <a:ext uri="{FF2B5EF4-FFF2-40B4-BE49-F238E27FC236}">
+                <a16:creationId xmlns:a16="http://schemas.microsoft.com/office/drawing/2014/main" id="{F7DDD8A8-3EEC-DF08-70C1-B806A8C2C38C}"/>
+              </a:ext>
+            </a:extLst>
+          </p:cNvPr>
+          <p:cNvCxnSpPr>
+            <a:stCxn id="13" idx="3"/>
+            <a:endCxn id="14" idx="0"/>
+          </p:cNvCxnSpPr>
+          <p:nvPr/>
+        </p:nvCxnSpPr>
+        <p:spPr>
+          <a:xfrm>
+            <a:off x="3376126" y="3503647"/>
+            <a:ext cx="0" cy="1730830"/>
+          </a:xfrm>
+          <a:prstGeom prst="straightConnector1">
+            <a:avLst/>
+          </a:prstGeom>
+          <a:ln>
+            <a:tailEnd type="triangle"/>
+          </a:ln>
+        </p:spPr>
+        <p:style>
+          <a:lnRef idx="1">
+            <a:schemeClr val="accent1"/>
+          </a:lnRef>
+          <a:fillRef idx="0">
+            <a:schemeClr val="accent1"/>
+          </a:fillRef>
+          <a:effectRef idx="0">
+            <a:schemeClr val="accent1"/>
+          </a:effectRef>
+          <a:fontRef idx="minor">
+            <a:schemeClr val="tx1"/>
+          </a:fontRef>
+        </p:style>
+      </p:cxnSp>
+      <p:cxnSp>
+        <p:nvCxnSpPr>
+          <p:cNvPr id="27" name="Straight Arrow Connector 26">
+            <a:extLst>
+              <a:ext uri="{FF2B5EF4-FFF2-40B4-BE49-F238E27FC236}">
+                <a16:creationId xmlns:a16="http://schemas.microsoft.com/office/drawing/2014/main" id="{773999FC-9284-F06D-C9DD-013661B977F4}"/>
+              </a:ext>
+            </a:extLst>
+          </p:cNvPr>
+          <p:cNvCxnSpPr>
+            <a:stCxn id="14" idx="3"/>
+            <a:endCxn id="15" idx="1"/>
+          </p:cNvCxnSpPr>
+          <p:nvPr/>
+        </p:nvCxnSpPr>
+        <p:spPr>
+          <a:xfrm flipV="1">
+            <a:off x="3865983" y="3503647"/>
+            <a:ext cx="606490" cy="2071398"/>
+          </a:xfrm>
+          <a:prstGeom prst="straightConnector1">
+            <a:avLst/>
+          </a:prstGeom>
+          <a:ln>
+            <a:tailEnd type="triangle"/>
+          </a:ln>
+        </p:spPr>
+        <p:style>
+          <a:lnRef idx="1">
+            <a:schemeClr val="accent1"/>
+          </a:lnRef>
+          <a:fillRef idx="0">
+            <a:schemeClr val="accent1"/>
+          </a:fillRef>
+          <a:effectRef idx="0">
+            <a:schemeClr val="accent1"/>
+          </a:effectRef>
+          <a:fontRef idx="minor">
+            <a:schemeClr val="tx1"/>
+          </a:fontRef>
+        </p:style>
+      </p:cxnSp>
+      <p:cxnSp>
+        <p:nvCxnSpPr>
+          <p:cNvPr id="29" name="Straight Arrow Connector 28">
+            <a:extLst>
+              <a:ext uri="{FF2B5EF4-FFF2-40B4-BE49-F238E27FC236}">
+                <a16:creationId xmlns:a16="http://schemas.microsoft.com/office/drawing/2014/main" id="{EADB62C9-8FC1-A644-5D21-3BE6304EF783}"/>
+              </a:ext>
+            </a:extLst>
+          </p:cNvPr>
+          <p:cNvCxnSpPr>
+            <a:stCxn id="15" idx="3"/>
+            <a:endCxn id="16" idx="1"/>
+          </p:cNvCxnSpPr>
+          <p:nvPr/>
+        </p:nvCxnSpPr>
+        <p:spPr>
+          <a:xfrm>
+            <a:off x="5452187" y="3503647"/>
+            <a:ext cx="1464906" cy="2239346"/>
+          </a:xfrm>
+          <a:prstGeom prst="straightConnector1">
+            <a:avLst/>
+          </a:prstGeom>
+          <a:ln>
+            <a:tailEnd type="triangle"/>
+          </a:ln>
+        </p:spPr>
+        <p:style>
+          <a:lnRef idx="1">
+            <a:schemeClr val="accent1"/>
+          </a:lnRef>
+          <a:fillRef idx="0">
+            <a:schemeClr val="accent1"/>
+          </a:fillRef>
+          <a:effectRef idx="0">
+            <a:schemeClr val="accent1"/>
+          </a:effectRef>
+          <a:fontRef idx="minor">
+            <a:schemeClr val="tx1"/>
+          </a:fontRef>
+        </p:style>
+      </p:cxnSp>
+      <p:cxnSp>
+        <p:nvCxnSpPr>
+          <p:cNvPr id="31" name="Straight Arrow Connector 30">
+            <a:extLst>
+              <a:ext uri="{FF2B5EF4-FFF2-40B4-BE49-F238E27FC236}">
+                <a16:creationId xmlns:a16="http://schemas.microsoft.com/office/drawing/2014/main" id="{9089D648-F8FB-9F36-6B35-975B84F52AAC}"/>
+              </a:ext>
+            </a:extLst>
+          </p:cNvPr>
+          <p:cNvCxnSpPr>
+            <a:stCxn id="16" idx="0"/>
+            <a:endCxn id="17" idx="2"/>
+          </p:cNvCxnSpPr>
+          <p:nvPr/>
+        </p:nvCxnSpPr>
+        <p:spPr>
+          <a:xfrm flipH="1" flipV="1">
+            <a:off x="6878214" y="4837923"/>
+            <a:ext cx="528736" cy="564502"/>
+          </a:xfrm>
+          <a:prstGeom prst="straightConnector1">
+            <a:avLst/>
+          </a:prstGeom>
+          <a:ln>
+            <a:tailEnd type="triangle"/>
+          </a:ln>
+        </p:spPr>
+        <p:style>
+          <a:lnRef idx="1">
+            <a:schemeClr val="accent1"/>
+          </a:lnRef>
+          <a:fillRef idx="0">
+            <a:schemeClr val="accent1"/>
+          </a:fillRef>
+          <a:effectRef idx="0">
+            <a:schemeClr val="accent1"/>
+          </a:effectRef>
+          <a:fontRef idx="minor">
+            <a:schemeClr val="tx1"/>
+          </a:fontRef>
+        </p:style>
+      </p:cxnSp>
+      <p:cxnSp>
+        <p:nvCxnSpPr>
+          <p:cNvPr id="33" name="Straight Arrow Connector 32">
+            <a:extLst>
+              <a:ext uri="{FF2B5EF4-FFF2-40B4-BE49-F238E27FC236}">
+                <a16:creationId xmlns:a16="http://schemas.microsoft.com/office/drawing/2014/main" id="{8802970F-A301-01A9-7F5C-E2D713988196}"/>
+              </a:ext>
+            </a:extLst>
+          </p:cNvPr>
+          <p:cNvCxnSpPr>
+            <a:stCxn id="17" idx="3"/>
+            <a:endCxn id="18" idx="1"/>
+          </p:cNvCxnSpPr>
+          <p:nvPr/>
+        </p:nvCxnSpPr>
+        <p:spPr>
+          <a:xfrm flipV="1">
+            <a:off x="7368071" y="3830214"/>
+            <a:ext cx="1937660" cy="667142"/>
+          </a:xfrm>
+          <a:prstGeom prst="straightConnector1">
+            <a:avLst/>
+          </a:prstGeom>
+          <a:ln>
+            <a:tailEnd type="triangle"/>
+          </a:ln>
+        </p:spPr>
+        <p:style>
+          <a:lnRef idx="1">
+            <a:schemeClr val="accent1"/>
+          </a:lnRef>
+          <a:fillRef idx="0">
+            <a:schemeClr val="accent1"/>
+          </a:fillRef>
+          <a:effectRef idx="0">
+            <a:schemeClr val="accent1"/>
+          </a:effectRef>
+          <a:fontRef idx="minor">
+            <a:schemeClr val="tx1"/>
+          </a:fontRef>
+        </p:style>
+      </p:cxnSp>
+      <p:cxnSp>
+        <p:nvCxnSpPr>
+          <p:cNvPr id="35" name="Straight Arrow Connector 34">
+            <a:extLst>
+              <a:ext uri="{FF2B5EF4-FFF2-40B4-BE49-F238E27FC236}">
+                <a16:creationId xmlns:a16="http://schemas.microsoft.com/office/drawing/2014/main" id="{EC2AA64B-4A01-1A70-657F-B415E1A519D8}"/>
+              </a:ext>
+            </a:extLst>
+          </p:cNvPr>
+          <p:cNvCxnSpPr>
+            <a:stCxn id="18" idx="2"/>
+            <a:endCxn id="19" idx="0"/>
+          </p:cNvCxnSpPr>
+          <p:nvPr/>
+        </p:nvCxnSpPr>
+        <p:spPr>
+          <a:xfrm>
+            <a:off x="9795588" y="4170781"/>
+            <a:ext cx="0" cy="891076"/>
+          </a:xfrm>
+          <a:prstGeom prst="straightConnector1">
+            <a:avLst/>
+          </a:prstGeom>
+          <a:ln>
+            <a:tailEnd type="triangle"/>
+          </a:ln>
+        </p:spPr>
+        <p:style>
+          <a:lnRef idx="1">
+            <a:schemeClr val="accent1"/>
+          </a:lnRef>
+          <a:fillRef idx="0">
+            <a:schemeClr val="accent1"/>
+          </a:fillRef>
+          <a:effectRef idx="0">
+            <a:schemeClr val="accent1"/>
+          </a:effectRef>
+          <a:fontRef idx="minor">
+            <a:schemeClr val="tx1"/>
+          </a:fontRef>
+        </p:style>
+      </p:cxnSp>
+      <p:cxnSp>
+        <p:nvCxnSpPr>
+          <p:cNvPr id="37" name="Straight Arrow Connector 36">
+            <a:extLst>
+              <a:ext uri="{FF2B5EF4-FFF2-40B4-BE49-F238E27FC236}">
+                <a16:creationId xmlns:a16="http://schemas.microsoft.com/office/drawing/2014/main" id="{ECEE83E6-94CC-7B5B-F6F0-97C1246F5194}"/>
+              </a:ext>
+            </a:extLst>
+          </p:cNvPr>
+          <p:cNvCxnSpPr>
+            <a:stCxn id="19" idx="1"/>
+            <a:endCxn id="20" idx="2"/>
+          </p:cNvCxnSpPr>
+          <p:nvPr/>
+        </p:nvCxnSpPr>
+        <p:spPr>
+          <a:xfrm flipH="1" flipV="1">
+            <a:off x="7632439" y="3727581"/>
+            <a:ext cx="1673292" cy="1674844"/>
+          </a:xfrm>
+          <a:prstGeom prst="straightConnector1">
+            <a:avLst/>
+          </a:prstGeom>
+          <a:ln>
+            <a:tailEnd type="triangle"/>
+          </a:ln>
+        </p:spPr>
+        <p:style>
+          <a:lnRef idx="1">
+            <a:schemeClr val="accent1"/>
+          </a:lnRef>
+          <a:fillRef idx="0">
+            <a:schemeClr val="accent1"/>
+          </a:fillRef>
+          <a:effectRef idx="0">
+            <a:schemeClr val="accent1"/>
+          </a:effectRef>
+          <a:fontRef idx="minor">
+            <a:schemeClr val="tx1"/>
+          </a:fontRef>
+        </p:style>
+      </p:cxnSp>
+      <p:sp>
+        <p:nvSpPr>
+          <p:cNvPr id="38" name="Arrow: Right 37">
+            <a:extLst>
+              <a:ext uri="{FF2B5EF4-FFF2-40B4-BE49-F238E27FC236}">
+                <a16:creationId xmlns:a16="http://schemas.microsoft.com/office/drawing/2014/main" id="{5CCDEA33-B6D0-5F59-E5BC-5EAB73F89DC9}"/>
+              </a:ext>
+            </a:extLst>
+          </p:cNvPr>
+          <p:cNvSpPr/>
+          <p:nvPr/>
+        </p:nvSpPr>
+        <p:spPr>
+          <a:xfrm>
+            <a:off x="270587" y="814094"/>
+            <a:ext cx="503853" cy="340568"/>
+          </a:xfrm>
+          <a:prstGeom prst="rightArrow">
+            <a:avLst/>
+          </a:prstGeom>
+        </p:spPr>
+        <p:style>
+          <a:lnRef idx="2">
+            <a:schemeClr val="accent1">
+              <a:shade val="50000"/>
+            </a:schemeClr>
+          </a:lnRef>
+          <a:fillRef idx="1">
+            <a:schemeClr val="accent1"/>
+          </a:fillRef>
+          <a:effectRef idx="0">
+            <a:schemeClr val="accent1"/>
+          </a:effectRef>
+          <a:fontRef idx="minor">
+            <a:schemeClr val="lt1"/>
+          </a:fontRef>
+        </p:style>
+        <p:txBody>
+          <a:bodyPr rtlCol="0" anchor="ctr"/>
+          <a:lstStyle/>
+          <a:p>
+            <a:pPr algn="ctr"/>
+            <a:endParaRPr lang="en-US"/>
+          </a:p>
+        </p:txBody>
+      </p:sp>
+      <p:sp>
+        <p:nvSpPr>
+          <p:cNvPr id="39" name="Arrow: Curved Down 38">
+            <a:extLst>
+              <a:ext uri="{FF2B5EF4-FFF2-40B4-BE49-F238E27FC236}">
+                <a16:creationId xmlns:a16="http://schemas.microsoft.com/office/drawing/2014/main" id="{AE5868CF-E8EC-54F6-16FB-9AA89413FE3B}"/>
+              </a:ext>
+            </a:extLst>
+          </p:cNvPr>
+          <p:cNvSpPr/>
+          <p:nvPr/>
+        </p:nvSpPr>
+        <p:spPr>
+          <a:xfrm>
+            <a:off x="1264298" y="429208"/>
+            <a:ext cx="881743" cy="214603"/>
+          </a:xfrm>
+          <a:prstGeom prst="curvedDownArrow">
+            <a:avLst/>
+          </a:prstGeom>
+        </p:spPr>
+        <p:style>
+          <a:lnRef idx="2">
+            <a:schemeClr val="accent1">
+              <a:shade val="50000"/>
+            </a:schemeClr>
+          </a:lnRef>
+          <a:fillRef idx="1">
+            <a:schemeClr val="accent1"/>
+          </a:fillRef>
+          <a:effectRef idx="0">
+            <a:schemeClr val="accent1"/>
+          </a:effectRef>
+          <a:fontRef idx="minor">
+            <a:schemeClr val="lt1"/>
+          </a:fontRef>
+        </p:style>
+        <p:txBody>
+          <a:bodyPr rtlCol="0" anchor="ctr"/>
+          <a:lstStyle/>
+          <a:p>
+            <a:pPr algn="ctr"/>
+            <a:endParaRPr lang="en-US">
+              <a:solidFill>
+                <a:schemeClr val="tx1"/>
+              </a:solidFill>
+            </a:endParaRPr>
+          </a:p>
+        </p:txBody>
+      </p:sp>
+      <p:sp>
+        <p:nvSpPr>
+          <p:cNvPr id="40" name="Arrow: Curved Down 39">
+            <a:extLst>
+              <a:ext uri="{FF2B5EF4-FFF2-40B4-BE49-F238E27FC236}">
+                <a16:creationId xmlns:a16="http://schemas.microsoft.com/office/drawing/2014/main" id="{9DEAF6FF-2F4B-ACF3-322D-B9C373FF4B33}"/>
+              </a:ext>
+            </a:extLst>
+          </p:cNvPr>
+          <p:cNvSpPr/>
+          <p:nvPr/>
+        </p:nvSpPr>
+        <p:spPr>
+          <a:xfrm>
+            <a:off x="2292997" y="346786"/>
+            <a:ext cx="881743" cy="301689"/>
+          </a:xfrm>
+          <a:prstGeom prst="curvedDownArrow">
+            <a:avLst/>
+          </a:prstGeom>
+        </p:spPr>
+        <p:style>
+          <a:lnRef idx="2">
+            <a:schemeClr val="accent1">
+              <a:shade val="50000"/>
+            </a:schemeClr>
+          </a:lnRef>
+          <a:fillRef idx="1">
+            <a:schemeClr val="accent1"/>
+          </a:fillRef>
+          <a:effectRef idx="0">
+            <a:schemeClr val="accent1"/>
+          </a:effectRef>
+          <a:fontRef idx="minor">
+            <a:schemeClr val="lt1"/>
+          </a:fontRef>
+        </p:style>
+        <p:txBody>
+          <a:bodyPr rtlCol="0" anchor="ctr"/>
+          <a:lstStyle/>
+          <a:p>
+            <a:pPr algn="ctr"/>
+            <a:endParaRPr lang="en-US">
+              <a:solidFill>
+                <a:schemeClr val="tx1"/>
+              </a:solidFill>
+            </a:endParaRPr>
+          </a:p>
+        </p:txBody>
+      </p:sp>
+      <p:sp>
+        <p:nvSpPr>
+          <p:cNvPr id="41" name="Arrow: Curved Down 40">
+            <a:extLst>
+              <a:ext uri="{FF2B5EF4-FFF2-40B4-BE49-F238E27FC236}">
+                <a16:creationId xmlns:a16="http://schemas.microsoft.com/office/drawing/2014/main" id="{EE68162B-32B7-CFB6-3E2C-B747232FD605}"/>
+              </a:ext>
+            </a:extLst>
+          </p:cNvPr>
+          <p:cNvSpPr/>
+          <p:nvPr/>
+        </p:nvSpPr>
+        <p:spPr>
+          <a:xfrm>
+            <a:off x="3272711" y="339791"/>
+            <a:ext cx="881743" cy="301689"/>
+          </a:xfrm>
+          <a:prstGeom prst="curvedDownArrow">
+            <a:avLst/>
+          </a:prstGeom>
+        </p:spPr>
+        <p:style>
+          <a:lnRef idx="2">
+            <a:schemeClr val="accent1">
+              <a:shade val="50000"/>
+            </a:schemeClr>
+          </a:lnRef>
+          <a:fillRef idx="1">
+            <a:schemeClr val="accent1"/>
+          </a:fillRef>
+          <a:effectRef idx="0">
+            <a:schemeClr val="accent1"/>
+          </a:effectRef>
+          <a:fontRef idx="minor">
+            <a:schemeClr val="lt1"/>
+          </a:fontRef>
+        </p:style>
+        <p:txBody>
+          <a:bodyPr rtlCol="0" anchor="ctr"/>
+          <a:lstStyle/>
+          <a:p>
+            <a:pPr algn="ctr"/>
+            <a:endParaRPr lang="en-US">
+              <a:solidFill>
+                <a:schemeClr val="tx1"/>
+              </a:solidFill>
+            </a:endParaRPr>
+          </a:p>
+        </p:txBody>
+      </p:sp>
+      <p:sp>
+        <p:nvSpPr>
+          <p:cNvPr id="42" name="Arrow: Curved Down 41">
+            <a:extLst>
+              <a:ext uri="{FF2B5EF4-FFF2-40B4-BE49-F238E27FC236}">
+                <a16:creationId xmlns:a16="http://schemas.microsoft.com/office/drawing/2014/main" id="{C36F8C15-9A45-494C-627C-C2BDBA334E09}"/>
+              </a:ext>
+            </a:extLst>
+          </p:cNvPr>
+          <p:cNvSpPr/>
+          <p:nvPr/>
+        </p:nvSpPr>
+        <p:spPr>
+          <a:xfrm>
+            <a:off x="4301411" y="322683"/>
+            <a:ext cx="881743" cy="301689"/>
+          </a:xfrm>
+          <a:prstGeom prst="curvedDownArrow">
+            <a:avLst/>
+          </a:prstGeom>
+        </p:spPr>
+        <p:style>
+          <a:lnRef idx="2">
+            <a:schemeClr val="accent1">
+              <a:shade val="50000"/>
+            </a:schemeClr>
+          </a:lnRef>
+          <a:fillRef idx="1">
+            <a:schemeClr val="accent1"/>
+          </a:fillRef>
+          <a:effectRef idx="0">
+            <a:schemeClr val="accent1"/>
+          </a:effectRef>
+          <a:fontRef idx="minor">
+            <a:schemeClr val="lt1"/>
+          </a:fontRef>
+        </p:style>
+        <p:txBody>
+          <a:bodyPr rtlCol="0" anchor="ctr"/>
+          <a:lstStyle/>
+          <a:p>
+            <a:pPr algn="ctr"/>
+            <a:endParaRPr lang="en-US">
+              <a:solidFill>
+                <a:schemeClr val="tx1"/>
+              </a:solidFill>
+            </a:endParaRPr>
+          </a:p>
+        </p:txBody>
+      </p:sp>
+      <p:sp>
+        <p:nvSpPr>
+          <p:cNvPr id="43" name="Arrow: Curved Down 42">
+            <a:extLst>
+              <a:ext uri="{FF2B5EF4-FFF2-40B4-BE49-F238E27FC236}">
+                <a16:creationId xmlns:a16="http://schemas.microsoft.com/office/drawing/2014/main" id="{D0768F71-1538-7F54-828B-8FFF221B91F7}"/>
+              </a:ext>
+            </a:extLst>
+          </p:cNvPr>
+          <p:cNvSpPr/>
+          <p:nvPr/>
+        </p:nvSpPr>
+        <p:spPr>
+          <a:xfrm>
+            <a:off x="5405534" y="322682"/>
+            <a:ext cx="881743" cy="301689"/>
+          </a:xfrm>
+          <a:prstGeom prst="curvedDownArrow">
+            <a:avLst/>
+          </a:prstGeom>
+        </p:spPr>
+        <p:style>
+          <a:lnRef idx="2">
+            <a:schemeClr val="accent1">
+              <a:shade val="50000"/>
+            </a:schemeClr>
+          </a:lnRef>
+          <a:fillRef idx="1">
+            <a:schemeClr val="accent1"/>
+          </a:fillRef>
+          <a:effectRef idx="0">
+            <a:schemeClr val="accent1"/>
+          </a:effectRef>
+          <a:fontRef idx="minor">
+            <a:schemeClr val="lt1"/>
+          </a:fontRef>
+        </p:style>
+        <p:txBody>
+          <a:bodyPr rtlCol="0" anchor="ctr"/>
+          <a:lstStyle/>
+          <a:p>
+            <a:pPr algn="ctr"/>
+            <a:endParaRPr lang="en-US">
+              <a:solidFill>
+                <a:schemeClr val="tx1"/>
+              </a:solidFill>
+            </a:endParaRPr>
+          </a:p>
+        </p:txBody>
+      </p:sp>
+      <p:sp>
+        <p:nvSpPr>
+          <p:cNvPr id="44" name="Arrow: Curved Down 43">
+            <a:extLst>
+              <a:ext uri="{FF2B5EF4-FFF2-40B4-BE49-F238E27FC236}">
+                <a16:creationId xmlns:a16="http://schemas.microsoft.com/office/drawing/2014/main" id="{9E95BCD4-080D-600B-B031-08B7B8E62FAD}"/>
+              </a:ext>
+            </a:extLst>
+          </p:cNvPr>
+          <p:cNvSpPr/>
+          <p:nvPr/>
+        </p:nvSpPr>
+        <p:spPr>
+          <a:xfrm>
+            <a:off x="6364252" y="346786"/>
+            <a:ext cx="881743" cy="301689"/>
+          </a:xfrm>
+          <a:prstGeom prst="curvedDownArrow">
+            <a:avLst/>
+          </a:prstGeom>
+        </p:spPr>
+        <p:style>
+          <a:lnRef idx="2">
+            <a:schemeClr val="accent1">
+              <a:shade val="50000"/>
+            </a:schemeClr>
+          </a:lnRef>
+          <a:fillRef idx="1">
+            <a:schemeClr val="accent1"/>
+          </a:fillRef>
+          <a:effectRef idx="0">
+            <a:schemeClr val="accent1"/>
+          </a:effectRef>
+          <a:fontRef idx="minor">
+            <a:schemeClr val="lt1"/>
+          </a:fontRef>
+        </p:style>
+        <p:txBody>
+          <a:bodyPr rtlCol="0" anchor="ctr"/>
+          <a:lstStyle/>
+          <a:p>
+            <a:pPr algn="ctr"/>
+            <a:endParaRPr lang="en-US">
+              <a:solidFill>
+                <a:schemeClr val="tx1"/>
+              </a:solidFill>
+            </a:endParaRPr>
+          </a:p>
+        </p:txBody>
+      </p:sp>
+      <p:sp>
+        <p:nvSpPr>
+          <p:cNvPr id="45" name="Arrow: Curved Down 44">
+            <a:extLst>
+              <a:ext uri="{FF2B5EF4-FFF2-40B4-BE49-F238E27FC236}">
+                <a16:creationId xmlns:a16="http://schemas.microsoft.com/office/drawing/2014/main" id="{C06FAFCC-BBC9-707D-1884-D82C7AA1330C}"/>
+              </a:ext>
+            </a:extLst>
+          </p:cNvPr>
+          <p:cNvSpPr/>
+          <p:nvPr/>
+        </p:nvSpPr>
+        <p:spPr>
+          <a:xfrm>
+            <a:off x="7392952" y="373999"/>
+            <a:ext cx="881743" cy="301689"/>
+          </a:xfrm>
+          <a:prstGeom prst="curvedDownArrow">
+            <a:avLst/>
+          </a:prstGeom>
+        </p:spPr>
+        <p:style>
+          <a:lnRef idx="2">
+            <a:schemeClr val="accent1">
+              <a:shade val="50000"/>
+            </a:schemeClr>
+          </a:lnRef>
+          <a:fillRef idx="1">
+            <a:schemeClr val="accent1"/>
+          </a:fillRef>
+          <a:effectRef idx="0">
+            <a:schemeClr val="accent1"/>
+          </a:effectRef>
+          <a:fontRef idx="minor">
+            <a:schemeClr val="lt1"/>
+          </a:fontRef>
+        </p:style>
+        <p:txBody>
+          <a:bodyPr rtlCol="0" anchor="ctr"/>
+          <a:lstStyle/>
+          <a:p>
+            <a:pPr algn="ctr"/>
+            <a:endParaRPr lang="en-US">
+              <a:solidFill>
+                <a:schemeClr val="tx1"/>
+              </a:solidFill>
+            </a:endParaRPr>
+          </a:p>
+        </p:txBody>
+      </p:sp>
+      <p:sp>
+        <p:nvSpPr>
+          <p:cNvPr id="46" name="Arrow: Curved Down 45">
+            <a:extLst>
+              <a:ext uri="{FF2B5EF4-FFF2-40B4-BE49-F238E27FC236}">
+                <a16:creationId xmlns:a16="http://schemas.microsoft.com/office/drawing/2014/main" id="{8C42BC5F-CE4D-A397-1309-2F2FA1FDC2BA}"/>
+              </a:ext>
+            </a:extLst>
+          </p:cNvPr>
+          <p:cNvSpPr/>
+          <p:nvPr/>
+        </p:nvSpPr>
+        <p:spPr>
+          <a:xfrm>
+            <a:off x="8372666" y="408993"/>
+            <a:ext cx="881743" cy="301689"/>
+          </a:xfrm>
+          <a:prstGeom prst="curvedDownArrow">
+            <a:avLst/>
+          </a:prstGeom>
+        </p:spPr>
+        <p:style>
+          <a:lnRef idx="2">
+            <a:schemeClr val="accent1">
+              <a:shade val="50000"/>
+            </a:schemeClr>
+          </a:lnRef>
+          <a:fillRef idx="1">
+            <a:schemeClr val="accent1"/>
+          </a:fillRef>
+          <a:effectRef idx="0">
+            <a:schemeClr val="accent1"/>
+          </a:effectRef>
+          <a:fontRef idx="minor">
+            <a:schemeClr val="lt1"/>
+          </a:fontRef>
+        </p:style>
+        <p:txBody>
+          <a:bodyPr rtlCol="0" anchor="ctr"/>
+          <a:lstStyle/>
+          <a:p>
+            <a:pPr algn="ctr"/>
+            <a:endParaRPr lang="en-US">
+              <a:solidFill>
+                <a:schemeClr val="tx1"/>
+              </a:solidFill>
+            </a:endParaRPr>
+          </a:p>
+        </p:txBody>
+      </p:sp>
+      <p:sp>
+        <p:nvSpPr>
+          <p:cNvPr id="47" name="Arrow: Right 46">
+            <a:extLst>
+              <a:ext uri="{FF2B5EF4-FFF2-40B4-BE49-F238E27FC236}">
+                <a16:creationId xmlns:a16="http://schemas.microsoft.com/office/drawing/2014/main" id="{298C7EDF-DEEE-B6CE-64C1-C2CA9D21D99D}"/>
+              </a:ext>
+            </a:extLst>
+          </p:cNvPr>
+          <p:cNvSpPr/>
+          <p:nvPr/>
+        </p:nvSpPr>
+        <p:spPr>
+          <a:xfrm>
+            <a:off x="429986" y="4539346"/>
+            <a:ext cx="503853" cy="340568"/>
+          </a:xfrm>
+          <a:prstGeom prst="rightArrow">
+            <a:avLst/>
+          </a:prstGeom>
+        </p:spPr>
+        <p:style>
+          <a:lnRef idx="2">
+            <a:schemeClr val="accent1">
+              <a:shade val="50000"/>
+            </a:schemeClr>
+          </a:lnRef>
+          <a:fillRef idx="1">
+            <a:schemeClr val="accent1"/>
+          </a:fillRef>
+          <a:effectRef idx="0">
+            <a:schemeClr val="accent1"/>
+          </a:effectRef>
+          <a:fontRef idx="minor">
+            <a:schemeClr val="lt1"/>
+          </a:fontRef>
+        </p:style>
+        <p:txBody>
+          <a:bodyPr rtlCol="0" anchor="ctr"/>
+          <a:lstStyle/>
+          <a:p>
+            <a:pPr algn="ctr"/>
+            <a:endParaRPr lang="en-US"/>
+          </a:p>
+        </p:txBody>
+      </p:sp>
+    </p:spTree>
+    <p:extLst>
+      <p:ext uri="{BB962C8B-B14F-4D97-AF65-F5344CB8AC3E}">
+        <p14:creationId xmlns:p14="http://schemas.microsoft.com/office/powerpoint/2010/main" val="4070922850"/>
+      </p:ext>
+    </p:extLst>
+  </p:cSld>
+  <p:clrMapOvr>
+    <a:masterClrMapping/>
+  </p:clrMapOvr>
+</p:sld>
+</file>
+
+<file path=ppt/slides/slide8.xml><?xml version="1.0" encoding="utf-8"?>
+<p:sld xmlns:a="http://schemas.openxmlformats.org/drawingml/2006/main" xmlns:r="http://schemas.openxmlformats.org/officeDocument/2006/relationships" xmlns:p="http://schemas.openxmlformats.org/presentationml/2006/main">
+  <p:cSld>
+    <p:spTree>
+      <p:nvGrpSpPr>
+        <p:cNvPr id="1" name=""/>
+        <p:cNvGrpSpPr/>
+        <p:nvPr/>
+      </p:nvGrpSpPr>
+      <p:grpSpPr>
+        <a:xfrm>
+          <a:off x="0" y="0"/>
+          <a:ext cx="0" cy="0"/>
+          <a:chOff x="0" y="0"/>
+          <a:chExt cx="0" cy="0"/>
+        </a:xfrm>
+      </p:grpSpPr>
+      <p:sp>
+        <p:nvSpPr>
+          <p:cNvPr id="2" name="TextBox 1">
+            <a:extLst>
+              <a:ext uri="{FF2B5EF4-FFF2-40B4-BE49-F238E27FC236}">
+                <a16:creationId xmlns:a16="http://schemas.microsoft.com/office/drawing/2014/main" id="{14C1F832-7AD1-39E5-1DB8-54D6EC3492F0}"/>
+              </a:ext>
+            </a:extLst>
+          </p:cNvPr>
+          <p:cNvSpPr txBox="1"/>
+          <p:nvPr/>
+        </p:nvSpPr>
+        <p:spPr>
+          <a:xfrm>
+            <a:off x="345233" y="289249"/>
+            <a:ext cx="1483567" cy="646331"/>
+          </a:xfrm>
+          <a:prstGeom prst="rect">
+            <a:avLst/>
+          </a:prstGeom>
+          <a:noFill/>
+        </p:spPr>
+        <p:txBody>
+          <a:bodyPr wrap="square" rtlCol="0">
+            <a:spAutoFit/>
+          </a:bodyPr>
+          <a:lstStyle/>
+          <a:p>
+            <a:r>
+              <a:rPr lang="en-IN" dirty="0"/>
+              <a:t>Int I = 10;</a:t>
+            </a:r>
+          </a:p>
+          <a:p>
+            <a:r>
+              <a:rPr lang="en-IN" dirty="0"/>
+              <a:t>Object o = I;</a:t>
+            </a:r>
+            <a:endParaRPr lang="en-US" dirty="0"/>
+          </a:p>
+        </p:txBody>
+      </p:sp>
+      <p:sp>
+        <p:nvSpPr>
+          <p:cNvPr id="3" name="TextBox 2">
+            <a:extLst>
+              <a:ext uri="{FF2B5EF4-FFF2-40B4-BE49-F238E27FC236}">
+                <a16:creationId xmlns:a16="http://schemas.microsoft.com/office/drawing/2014/main" id="{BF19DB20-A7D3-C35C-F0D5-6E9955105FA4}"/>
+              </a:ext>
+            </a:extLst>
+          </p:cNvPr>
+          <p:cNvSpPr txBox="1"/>
+          <p:nvPr/>
+        </p:nvSpPr>
+        <p:spPr>
+          <a:xfrm>
+            <a:off x="5878286" y="2519"/>
+            <a:ext cx="942392" cy="369332"/>
+          </a:xfrm>
+          <a:prstGeom prst="rect">
+            <a:avLst/>
+          </a:prstGeom>
+          <a:noFill/>
+        </p:spPr>
+        <p:txBody>
+          <a:bodyPr wrap="square" rtlCol="0">
+            <a:spAutoFit/>
+          </a:bodyPr>
+          <a:lstStyle/>
+          <a:p>
+            <a:pPr algn="ctr"/>
+            <a:r>
+              <a:rPr lang="en-IN" b="1" dirty="0"/>
+              <a:t>Stack</a:t>
+            </a:r>
+            <a:endParaRPr lang="en-US" b="1" dirty="0"/>
+          </a:p>
+        </p:txBody>
+      </p:sp>
+      <p:sp>
+        <p:nvSpPr>
+          <p:cNvPr id="4" name="Rectangle 3">
+            <a:extLst>
+              <a:ext uri="{FF2B5EF4-FFF2-40B4-BE49-F238E27FC236}">
+                <a16:creationId xmlns:a16="http://schemas.microsoft.com/office/drawing/2014/main" id="{B40651A9-C246-D6BA-E00D-2716591A466B}"/>
+              </a:ext>
+            </a:extLst>
+          </p:cNvPr>
+          <p:cNvSpPr/>
+          <p:nvPr/>
+        </p:nvSpPr>
+        <p:spPr>
+          <a:xfrm>
+            <a:off x="5878286" y="546614"/>
+            <a:ext cx="1007706" cy="646331"/>
+          </a:xfrm>
+          <a:prstGeom prst="rect">
+            <a:avLst/>
+          </a:prstGeom>
+        </p:spPr>
+        <p:style>
+          <a:lnRef idx="2">
+            <a:schemeClr val="accent1">
+              <a:shade val="50000"/>
+            </a:schemeClr>
+          </a:lnRef>
+          <a:fillRef idx="1">
+            <a:schemeClr val="accent1"/>
+          </a:fillRef>
+          <a:effectRef idx="0">
+            <a:schemeClr val="accent1"/>
+          </a:effectRef>
+          <a:fontRef idx="minor">
+            <a:schemeClr val="lt1"/>
+          </a:fontRef>
+        </p:style>
+        <p:txBody>
+          <a:bodyPr rtlCol="0" anchor="ctr"/>
+          <a:lstStyle/>
+          <a:p>
+            <a:pPr algn="ctr"/>
+            <a:r>
+              <a:rPr lang="en-IN" dirty="0"/>
+              <a:t>10</a:t>
+            </a:r>
+            <a:endParaRPr lang="en-US" dirty="0"/>
+          </a:p>
+        </p:txBody>
+      </p:sp>
+      <p:sp>
+        <p:nvSpPr>
+          <p:cNvPr id="5" name="TextBox 4">
+            <a:extLst>
+              <a:ext uri="{FF2B5EF4-FFF2-40B4-BE49-F238E27FC236}">
+                <a16:creationId xmlns:a16="http://schemas.microsoft.com/office/drawing/2014/main" id="{521B6A48-B8BB-A20D-ABC3-0AA3B61A09E9}"/>
+              </a:ext>
+            </a:extLst>
+          </p:cNvPr>
+          <p:cNvSpPr txBox="1"/>
+          <p:nvPr/>
+        </p:nvSpPr>
+        <p:spPr>
+          <a:xfrm>
+            <a:off x="5878286" y="1374119"/>
+            <a:ext cx="1147665" cy="369332"/>
+          </a:xfrm>
+          <a:prstGeom prst="rect">
+            <a:avLst/>
+          </a:prstGeom>
+          <a:noFill/>
+        </p:spPr>
+        <p:txBody>
+          <a:bodyPr wrap="square" rtlCol="0">
+            <a:spAutoFit/>
+          </a:bodyPr>
+          <a:lstStyle/>
+          <a:p>
+            <a:pPr algn="ctr"/>
+            <a:r>
+              <a:rPr lang="en-IN" dirty="0"/>
+              <a:t>i</a:t>
+            </a:r>
+            <a:endParaRPr lang="en-US" dirty="0"/>
+          </a:p>
+        </p:txBody>
+      </p:sp>
+      <p:cxnSp>
+        <p:nvCxnSpPr>
+          <p:cNvPr id="7" name="Straight Arrow Connector 6">
+            <a:extLst>
+              <a:ext uri="{FF2B5EF4-FFF2-40B4-BE49-F238E27FC236}">
+                <a16:creationId xmlns:a16="http://schemas.microsoft.com/office/drawing/2014/main" id="{1FC02A4C-BB2C-97E3-08F4-882AA15DA47F}"/>
+              </a:ext>
+            </a:extLst>
+          </p:cNvPr>
+          <p:cNvCxnSpPr>
+            <a:endCxn id="4" idx="1"/>
+          </p:cNvCxnSpPr>
+          <p:nvPr/>
+        </p:nvCxnSpPr>
+        <p:spPr>
+          <a:xfrm>
+            <a:off x="1343608" y="485192"/>
+            <a:ext cx="4534678" cy="384588"/>
+          </a:xfrm>
+          <a:prstGeom prst="straightConnector1">
+            <a:avLst/>
+          </a:prstGeom>
+          <a:ln>
+            <a:tailEnd type="triangle"/>
+          </a:ln>
+        </p:spPr>
+        <p:style>
+          <a:lnRef idx="1">
+            <a:schemeClr val="accent1"/>
+          </a:lnRef>
+          <a:fillRef idx="0">
+            <a:schemeClr val="accent1"/>
+          </a:fillRef>
+          <a:effectRef idx="0">
+            <a:schemeClr val="accent1"/>
+          </a:effectRef>
+          <a:fontRef idx="minor">
+            <a:schemeClr val="tx1"/>
+          </a:fontRef>
+        </p:style>
+      </p:cxnSp>
+      <p:sp>
+        <p:nvSpPr>
+          <p:cNvPr id="10" name="TextBox 9">
+            <a:extLst>
+              <a:ext uri="{FF2B5EF4-FFF2-40B4-BE49-F238E27FC236}">
+                <a16:creationId xmlns:a16="http://schemas.microsoft.com/office/drawing/2014/main" id="{79C447AF-81D8-C695-B2A9-257A04E1E61F}"/>
+              </a:ext>
+            </a:extLst>
+          </p:cNvPr>
+          <p:cNvSpPr txBox="1"/>
+          <p:nvPr/>
+        </p:nvSpPr>
+        <p:spPr>
+          <a:xfrm>
+            <a:off x="345233" y="1366821"/>
+            <a:ext cx="942392" cy="369332"/>
+          </a:xfrm>
+          <a:prstGeom prst="rect">
+            <a:avLst/>
+          </a:prstGeom>
+          <a:noFill/>
+        </p:spPr>
+        <p:txBody>
+          <a:bodyPr wrap="square" rtlCol="0">
+            <a:spAutoFit/>
+          </a:bodyPr>
+          <a:lstStyle/>
+          <a:p>
+            <a:pPr algn="ctr"/>
+            <a:r>
+              <a:rPr lang="en-IN" b="1" dirty="0"/>
+              <a:t>Stack</a:t>
+            </a:r>
+            <a:endParaRPr lang="en-US" b="1" dirty="0"/>
+          </a:p>
+        </p:txBody>
+      </p:sp>
+      <p:sp>
+        <p:nvSpPr>
+          <p:cNvPr id="11" name="Rectangle 10">
+            <a:extLst>
+              <a:ext uri="{FF2B5EF4-FFF2-40B4-BE49-F238E27FC236}">
+                <a16:creationId xmlns:a16="http://schemas.microsoft.com/office/drawing/2014/main" id="{DEBF98B2-EA46-D140-C617-D9B4D0319AC5}"/>
+              </a:ext>
+            </a:extLst>
+          </p:cNvPr>
+          <p:cNvSpPr/>
+          <p:nvPr/>
+        </p:nvSpPr>
+        <p:spPr>
+          <a:xfrm>
+            <a:off x="345233" y="1910916"/>
+            <a:ext cx="1007706" cy="646331"/>
+          </a:xfrm>
+          <a:prstGeom prst="rect">
+            <a:avLst/>
+          </a:prstGeom>
+        </p:spPr>
+        <p:style>
+          <a:lnRef idx="2">
+            <a:schemeClr val="accent1">
+              <a:shade val="50000"/>
+            </a:schemeClr>
+          </a:lnRef>
+          <a:fillRef idx="1">
+            <a:schemeClr val="accent1"/>
+          </a:fillRef>
+          <a:effectRef idx="0">
+            <a:schemeClr val="accent1"/>
+          </a:effectRef>
+          <a:fontRef idx="minor">
+            <a:schemeClr val="lt1"/>
+          </a:fontRef>
+        </p:style>
+        <p:txBody>
+          <a:bodyPr rtlCol="0" anchor="ctr"/>
+          <a:lstStyle/>
+          <a:p>
+            <a:pPr algn="ctr"/>
+            <a:r>
+              <a:rPr lang="en-IN" dirty="0" err="1"/>
+              <a:t>obj</a:t>
+            </a:r>
+            <a:endParaRPr lang="en-US" dirty="0"/>
+          </a:p>
+        </p:txBody>
+      </p:sp>
+      <p:sp>
+        <p:nvSpPr>
+          <p:cNvPr id="13" name="TextBox 12">
+            <a:extLst>
+              <a:ext uri="{FF2B5EF4-FFF2-40B4-BE49-F238E27FC236}">
+                <a16:creationId xmlns:a16="http://schemas.microsoft.com/office/drawing/2014/main" id="{71153F9F-C3C5-9CD9-9500-753A755F381B}"/>
+              </a:ext>
+            </a:extLst>
+          </p:cNvPr>
+          <p:cNvSpPr txBox="1"/>
+          <p:nvPr/>
+        </p:nvSpPr>
+        <p:spPr>
+          <a:xfrm>
+            <a:off x="4127241" y="1444576"/>
+            <a:ext cx="942392" cy="369332"/>
+          </a:xfrm>
+          <a:prstGeom prst="rect">
+            <a:avLst/>
+          </a:prstGeom>
+          <a:noFill/>
+        </p:spPr>
+        <p:txBody>
+          <a:bodyPr wrap="square" rtlCol="0">
+            <a:spAutoFit/>
+          </a:bodyPr>
+          <a:lstStyle/>
+          <a:p>
+            <a:pPr algn="ctr"/>
+            <a:r>
+              <a:rPr lang="en-IN" b="1" dirty="0"/>
+              <a:t>Heap</a:t>
+            </a:r>
+            <a:endParaRPr lang="en-US" b="1" dirty="0"/>
+          </a:p>
+        </p:txBody>
+      </p:sp>
+      <p:sp>
+        <p:nvSpPr>
+          <p:cNvPr id="15" name="Rectangle 14">
+            <a:extLst>
+              <a:ext uri="{FF2B5EF4-FFF2-40B4-BE49-F238E27FC236}">
+                <a16:creationId xmlns:a16="http://schemas.microsoft.com/office/drawing/2014/main" id="{45292B14-5FB1-6A41-8C20-C86051BCFAAA}"/>
+              </a:ext>
+            </a:extLst>
+          </p:cNvPr>
+          <p:cNvSpPr/>
+          <p:nvPr/>
+        </p:nvSpPr>
+        <p:spPr>
+          <a:xfrm>
+            <a:off x="4127241" y="1910916"/>
+            <a:ext cx="1751045" cy="1830660"/>
+          </a:xfrm>
+          <a:prstGeom prst="rect">
+            <a:avLst/>
+          </a:prstGeom>
+        </p:spPr>
+        <p:style>
+          <a:lnRef idx="2">
+            <a:schemeClr val="accent6"/>
+          </a:lnRef>
+          <a:fillRef idx="1">
+            <a:schemeClr val="lt1"/>
+          </a:fillRef>
+          <a:effectRef idx="0">
+            <a:schemeClr val="accent6"/>
+          </a:effectRef>
+          <a:fontRef idx="minor">
+            <a:schemeClr val="dk1"/>
+          </a:fontRef>
+        </p:style>
+        <p:txBody>
+          <a:bodyPr rtlCol="0" anchor="ctr"/>
+          <a:lstStyle/>
+          <a:p>
+            <a:pPr algn="ctr"/>
+            <a:endParaRPr lang="en-US"/>
+          </a:p>
+        </p:txBody>
+      </p:sp>
+      <p:sp>
+        <p:nvSpPr>
+          <p:cNvPr id="16" name="Rectangle 15">
+            <a:extLst>
+              <a:ext uri="{FF2B5EF4-FFF2-40B4-BE49-F238E27FC236}">
+                <a16:creationId xmlns:a16="http://schemas.microsoft.com/office/drawing/2014/main" id="{41F4B12E-7D2F-48C2-41EA-7503B2AFD22C}"/>
+              </a:ext>
+            </a:extLst>
+          </p:cNvPr>
+          <p:cNvSpPr/>
+          <p:nvPr/>
+        </p:nvSpPr>
+        <p:spPr>
+          <a:xfrm>
+            <a:off x="4127241" y="2780522"/>
+            <a:ext cx="1751045" cy="45719"/>
+          </a:xfrm>
+          <a:prstGeom prst="rect">
+            <a:avLst/>
+          </a:prstGeom>
+        </p:spPr>
+        <p:style>
+          <a:lnRef idx="2">
+            <a:schemeClr val="accent1">
+              <a:shade val="50000"/>
+            </a:schemeClr>
+          </a:lnRef>
+          <a:fillRef idx="1">
+            <a:schemeClr val="accent1"/>
+          </a:fillRef>
+          <a:effectRef idx="0">
+            <a:schemeClr val="accent1"/>
+          </a:effectRef>
+          <a:fontRef idx="minor">
+            <a:schemeClr val="lt1"/>
+          </a:fontRef>
+        </p:style>
+        <p:txBody>
+          <a:bodyPr rtlCol="0" anchor="ctr"/>
+          <a:lstStyle/>
+          <a:p>
+            <a:pPr algn="ctr"/>
+            <a:endParaRPr lang="en-US"/>
+          </a:p>
+        </p:txBody>
+      </p:sp>
+      <p:sp>
+        <p:nvSpPr>
+          <p:cNvPr id="17" name="Rectangle 16">
+            <a:extLst>
+              <a:ext uri="{FF2B5EF4-FFF2-40B4-BE49-F238E27FC236}">
+                <a16:creationId xmlns:a16="http://schemas.microsoft.com/office/drawing/2014/main" id="{CF3F4C41-F950-75A8-DD28-5D02AACB4DCA}"/>
+              </a:ext>
+            </a:extLst>
+          </p:cNvPr>
+          <p:cNvSpPr/>
+          <p:nvPr/>
+        </p:nvSpPr>
+        <p:spPr>
+          <a:xfrm>
+            <a:off x="4236098" y="2034073"/>
+            <a:ext cx="1576873" cy="649441"/>
+          </a:xfrm>
+          <a:prstGeom prst="rect">
+            <a:avLst/>
+          </a:prstGeom>
+        </p:spPr>
+        <p:style>
+          <a:lnRef idx="2">
+            <a:schemeClr val="accent1">
+              <a:shade val="50000"/>
+            </a:schemeClr>
+          </a:lnRef>
+          <a:fillRef idx="1">
+            <a:schemeClr val="accent1"/>
+          </a:fillRef>
+          <a:effectRef idx="0">
+            <a:schemeClr val="accent1"/>
+          </a:effectRef>
+          <a:fontRef idx="minor">
+            <a:schemeClr val="lt1"/>
+          </a:fontRef>
+        </p:style>
+        <p:txBody>
+          <a:bodyPr rtlCol="0" anchor="ctr"/>
+          <a:lstStyle/>
+          <a:p>
+            <a:pPr algn="ctr"/>
+            <a:r>
+              <a:rPr lang="en-IN" b="1" dirty="0"/>
+              <a:t>System.Int32</a:t>
+            </a:r>
+            <a:endParaRPr lang="en-US" b="1" dirty="0"/>
+          </a:p>
+        </p:txBody>
+      </p:sp>
+      <p:sp>
+        <p:nvSpPr>
+          <p:cNvPr id="18" name="Rectangle 17">
+            <a:extLst>
+              <a:ext uri="{FF2B5EF4-FFF2-40B4-BE49-F238E27FC236}">
+                <a16:creationId xmlns:a16="http://schemas.microsoft.com/office/drawing/2014/main" id="{8D1A3306-E4E4-FB38-05E1-9314AD2BF794}"/>
+              </a:ext>
+            </a:extLst>
+          </p:cNvPr>
+          <p:cNvSpPr/>
+          <p:nvPr/>
+        </p:nvSpPr>
+        <p:spPr>
+          <a:xfrm>
+            <a:off x="4217437" y="2968861"/>
+            <a:ext cx="1576873" cy="649441"/>
+          </a:xfrm>
+          <a:prstGeom prst="rect">
+            <a:avLst/>
+          </a:prstGeom>
+        </p:spPr>
+        <p:style>
+          <a:lnRef idx="2">
+            <a:schemeClr val="accent1">
+              <a:shade val="50000"/>
+            </a:schemeClr>
+          </a:lnRef>
+          <a:fillRef idx="1">
+            <a:schemeClr val="accent1"/>
+          </a:fillRef>
+          <a:effectRef idx="0">
+            <a:schemeClr val="accent1"/>
+          </a:effectRef>
+          <a:fontRef idx="minor">
+            <a:schemeClr val="lt1"/>
+          </a:fontRef>
+        </p:style>
+        <p:txBody>
+          <a:bodyPr rtlCol="0" anchor="ctr"/>
+          <a:lstStyle/>
+          <a:p>
+            <a:pPr algn="ctr"/>
+            <a:r>
+              <a:rPr lang="en-IN" b="1" dirty="0"/>
+              <a:t>10</a:t>
+            </a:r>
+            <a:endParaRPr lang="en-US" b="1" dirty="0"/>
+          </a:p>
+        </p:txBody>
+      </p:sp>
+      <p:cxnSp>
+        <p:nvCxnSpPr>
+          <p:cNvPr id="20" name="Straight Arrow Connector 19">
+            <a:extLst>
+              <a:ext uri="{FF2B5EF4-FFF2-40B4-BE49-F238E27FC236}">
+                <a16:creationId xmlns:a16="http://schemas.microsoft.com/office/drawing/2014/main" id="{6A6747F6-387A-20BE-76E2-273F82E1513C}"/>
+              </a:ext>
+            </a:extLst>
+          </p:cNvPr>
+          <p:cNvCxnSpPr>
+            <a:stCxn id="11" idx="3"/>
+          </p:cNvCxnSpPr>
+          <p:nvPr/>
+        </p:nvCxnSpPr>
+        <p:spPr>
+          <a:xfrm flipV="1">
+            <a:off x="1352939" y="2234081"/>
+            <a:ext cx="2774302" cy="1"/>
+          </a:xfrm>
+          <a:prstGeom prst="straightConnector1">
+            <a:avLst/>
+          </a:prstGeom>
+          <a:ln>
+            <a:tailEnd type="triangle"/>
+          </a:ln>
+        </p:spPr>
+        <p:style>
+          <a:lnRef idx="1">
+            <a:schemeClr val="accent1"/>
+          </a:lnRef>
+          <a:fillRef idx="0">
+            <a:schemeClr val="accent1"/>
+          </a:fillRef>
+          <a:effectRef idx="0">
+            <a:schemeClr val="accent1"/>
+          </a:effectRef>
+          <a:fontRef idx="minor">
+            <a:schemeClr val="tx1"/>
+          </a:fontRef>
+        </p:style>
+      </p:cxnSp>
+      <p:sp>
+        <p:nvSpPr>
+          <p:cNvPr id="21" name="Right Brace 20">
+            <a:extLst>
+              <a:ext uri="{FF2B5EF4-FFF2-40B4-BE49-F238E27FC236}">
+                <a16:creationId xmlns:a16="http://schemas.microsoft.com/office/drawing/2014/main" id="{87B88342-ED8A-A996-807D-0B41093CCCDE}"/>
+              </a:ext>
+            </a:extLst>
+          </p:cNvPr>
+          <p:cNvSpPr/>
+          <p:nvPr/>
+        </p:nvSpPr>
+        <p:spPr>
+          <a:xfrm>
+            <a:off x="5990253" y="1910916"/>
+            <a:ext cx="323463" cy="1830660"/>
+          </a:xfrm>
+          <a:prstGeom prst="rightBrace">
+            <a:avLst/>
+          </a:prstGeom>
+        </p:spPr>
+        <p:style>
+          <a:lnRef idx="1">
+            <a:schemeClr val="accent1"/>
+          </a:lnRef>
+          <a:fillRef idx="0">
+            <a:schemeClr val="accent1"/>
+          </a:fillRef>
+          <a:effectRef idx="0">
+            <a:schemeClr val="accent1"/>
+          </a:effectRef>
+          <a:fontRef idx="minor">
+            <a:schemeClr val="tx1"/>
+          </a:fontRef>
+        </p:style>
+        <p:txBody>
+          <a:bodyPr rtlCol="0" anchor="ctr"/>
+          <a:lstStyle/>
+          <a:p>
+            <a:pPr algn="ctr"/>
+            <a:endParaRPr lang="en-US"/>
+          </a:p>
+        </p:txBody>
+      </p:sp>
+      <p:sp>
+        <p:nvSpPr>
+          <p:cNvPr id="22" name="TextBox 21">
+            <a:extLst>
+              <a:ext uri="{FF2B5EF4-FFF2-40B4-BE49-F238E27FC236}">
+                <a16:creationId xmlns:a16="http://schemas.microsoft.com/office/drawing/2014/main" id="{44B66E2A-EC1E-E1BE-0786-5E637D19FDFA}"/>
+              </a:ext>
+            </a:extLst>
+          </p:cNvPr>
+          <p:cNvSpPr txBox="1"/>
+          <p:nvPr/>
+        </p:nvSpPr>
+        <p:spPr>
+          <a:xfrm>
+            <a:off x="6466114" y="2425959"/>
+            <a:ext cx="1595535" cy="369332"/>
+          </a:xfrm>
+          <a:prstGeom prst="rect">
+            <a:avLst/>
+          </a:prstGeom>
+          <a:noFill/>
+        </p:spPr>
+        <p:txBody>
+          <a:bodyPr wrap="square" rtlCol="0">
+            <a:spAutoFit/>
+          </a:bodyPr>
+          <a:lstStyle/>
+          <a:p>
+            <a:r>
+              <a:rPr lang="en-IN" dirty="0"/>
+              <a:t>Boxing</a:t>
+            </a:r>
+            <a:endParaRPr lang="en-US" dirty="0"/>
+          </a:p>
+        </p:txBody>
+      </p:sp>
+      <p:sp>
+        <p:nvSpPr>
+          <p:cNvPr id="23" name="TextBox 22">
+            <a:extLst>
+              <a:ext uri="{FF2B5EF4-FFF2-40B4-BE49-F238E27FC236}">
+                <a16:creationId xmlns:a16="http://schemas.microsoft.com/office/drawing/2014/main" id="{A5669AC9-3425-1F60-27F0-B180E82D50CD}"/>
+              </a:ext>
+            </a:extLst>
+          </p:cNvPr>
+          <p:cNvSpPr txBox="1"/>
+          <p:nvPr/>
+        </p:nvSpPr>
+        <p:spPr>
+          <a:xfrm>
+            <a:off x="242596" y="4292082"/>
+            <a:ext cx="2052735" cy="369332"/>
+          </a:xfrm>
+          <a:prstGeom prst="rect">
+            <a:avLst/>
+          </a:prstGeom>
+          <a:noFill/>
+        </p:spPr>
+        <p:txBody>
+          <a:bodyPr wrap="square" rtlCol="0">
+            <a:spAutoFit/>
+          </a:bodyPr>
+          <a:lstStyle/>
+          <a:p>
+            <a:r>
+              <a:rPr lang="en-IN" dirty="0"/>
+              <a:t>Int j = (int)</a:t>
+            </a:r>
+            <a:r>
+              <a:rPr lang="en-IN" dirty="0" err="1"/>
+              <a:t>obj</a:t>
+            </a:r>
+            <a:r>
+              <a:rPr lang="en-IN" dirty="0"/>
+              <a:t>;</a:t>
+            </a:r>
+            <a:endParaRPr lang="en-US" dirty="0"/>
+          </a:p>
+        </p:txBody>
+      </p:sp>
+      <p:sp>
+        <p:nvSpPr>
+          <p:cNvPr id="24" name="TextBox 23">
+            <a:extLst>
+              <a:ext uri="{FF2B5EF4-FFF2-40B4-BE49-F238E27FC236}">
+                <a16:creationId xmlns:a16="http://schemas.microsoft.com/office/drawing/2014/main" id="{7E9BC4D4-4EA3-9BA2-840D-7F354530C99E}"/>
+              </a:ext>
+            </a:extLst>
+          </p:cNvPr>
+          <p:cNvSpPr txBox="1"/>
+          <p:nvPr/>
+        </p:nvSpPr>
+        <p:spPr>
+          <a:xfrm>
+            <a:off x="177282" y="4814596"/>
+            <a:ext cx="1828800" cy="369332"/>
+          </a:xfrm>
+          <a:prstGeom prst="rect">
+            <a:avLst/>
+          </a:prstGeom>
+          <a:noFill/>
+        </p:spPr>
+        <p:txBody>
+          <a:bodyPr wrap="square" rtlCol="0">
+            <a:spAutoFit/>
+          </a:bodyPr>
+          <a:lstStyle/>
+          <a:p>
+            <a:r>
+              <a:rPr lang="en-IN" dirty="0"/>
+              <a:t>unboxing</a:t>
+            </a:r>
+            <a:endParaRPr lang="en-US" dirty="0"/>
+          </a:p>
+        </p:txBody>
+      </p:sp>
+      <p:cxnSp>
+        <p:nvCxnSpPr>
+          <p:cNvPr id="26" name="Connector: Elbow 25">
+            <a:extLst>
+              <a:ext uri="{FF2B5EF4-FFF2-40B4-BE49-F238E27FC236}">
+                <a16:creationId xmlns:a16="http://schemas.microsoft.com/office/drawing/2014/main" id="{1358E7EC-78F6-0BE9-82B2-CB4EDAFA4CEB}"/>
+              </a:ext>
+            </a:extLst>
+          </p:cNvPr>
+          <p:cNvCxnSpPr>
+            <a:endCxn id="17" idx="1"/>
+          </p:cNvCxnSpPr>
+          <p:nvPr/>
+        </p:nvCxnSpPr>
+        <p:spPr>
+          <a:xfrm flipV="1">
+            <a:off x="1082351" y="2358794"/>
+            <a:ext cx="3153747" cy="1933288"/>
+          </a:xfrm>
+          <a:prstGeom prst="bentConnector3">
+            <a:avLst/>
+          </a:prstGeom>
+          <a:ln>
+            <a:tailEnd type="triangle"/>
+          </a:ln>
+        </p:spPr>
+        <p:style>
+          <a:lnRef idx="1">
+            <a:schemeClr val="accent1"/>
+          </a:lnRef>
+          <a:fillRef idx="0">
+            <a:schemeClr val="accent1"/>
+          </a:fillRef>
+          <a:effectRef idx="0">
+            <a:schemeClr val="accent1"/>
+          </a:effectRef>
+          <a:fontRef idx="minor">
+            <a:schemeClr val="tx1"/>
+          </a:fontRef>
+        </p:style>
+      </p:cxnSp>
+      <p:sp>
+        <p:nvSpPr>
+          <p:cNvPr id="27" name="TextBox 26">
+            <a:extLst>
+              <a:ext uri="{FF2B5EF4-FFF2-40B4-BE49-F238E27FC236}">
+                <a16:creationId xmlns:a16="http://schemas.microsoft.com/office/drawing/2014/main" id="{140FA2C1-733D-4BCC-86A8-839FE5AEDE9C}"/>
+              </a:ext>
+            </a:extLst>
+          </p:cNvPr>
+          <p:cNvSpPr txBox="1"/>
+          <p:nvPr/>
+        </p:nvSpPr>
+        <p:spPr>
+          <a:xfrm>
+            <a:off x="242596" y="3604833"/>
+            <a:ext cx="3051111" cy="646331"/>
+          </a:xfrm>
+          <a:prstGeom prst="rect">
+            <a:avLst/>
+          </a:prstGeom>
+          <a:noFill/>
+        </p:spPr>
+        <p:txBody>
+          <a:bodyPr wrap="square" rtlCol="0">
+            <a:spAutoFit/>
+          </a:bodyPr>
+          <a:lstStyle/>
+          <a:p>
+            <a:r>
+              <a:rPr lang="en-IN" dirty="0"/>
+              <a:t>Read type of </a:t>
+            </a:r>
+            <a:r>
+              <a:rPr lang="en-IN" dirty="0" err="1"/>
+              <a:t>obj</a:t>
+            </a:r>
+            <a:r>
+              <a:rPr lang="en-IN" dirty="0"/>
+              <a:t> using </a:t>
+            </a:r>
+            <a:r>
+              <a:rPr lang="en-IN" dirty="0" err="1"/>
+              <a:t>GetType</a:t>
+            </a:r>
+            <a:r>
+              <a:rPr lang="en-IN" dirty="0"/>
+              <a:t>() method</a:t>
+            </a:r>
+            <a:endParaRPr lang="en-US" dirty="0"/>
+          </a:p>
+        </p:txBody>
+      </p:sp>
+      <p:cxnSp>
+        <p:nvCxnSpPr>
+          <p:cNvPr id="29" name="Connector: Elbow 28">
+            <a:extLst>
+              <a:ext uri="{FF2B5EF4-FFF2-40B4-BE49-F238E27FC236}">
+                <a16:creationId xmlns:a16="http://schemas.microsoft.com/office/drawing/2014/main" id="{C772EF18-0AAA-C7CD-1298-3D60BB8189BB}"/>
+              </a:ext>
+            </a:extLst>
+          </p:cNvPr>
+          <p:cNvCxnSpPr/>
+          <p:nvPr/>
+        </p:nvCxnSpPr>
+        <p:spPr>
+          <a:xfrm rot="10800000" flipV="1">
+            <a:off x="653143" y="3618302"/>
+            <a:ext cx="4349620" cy="1043112"/>
+          </a:xfrm>
+          <a:prstGeom prst="bentConnector3">
+            <a:avLst/>
+          </a:prstGeom>
+          <a:ln>
+            <a:tailEnd type="triangle"/>
+          </a:ln>
+        </p:spPr>
+        <p:style>
+          <a:lnRef idx="1">
+            <a:schemeClr val="accent1"/>
+          </a:lnRef>
+          <a:fillRef idx="0">
+            <a:schemeClr val="accent1"/>
+          </a:fillRef>
+          <a:effectRef idx="0">
+            <a:schemeClr val="accent1"/>
+          </a:effectRef>
+          <a:fontRef idx="minor">
+            <a:schemeClr val="tx1"/>
+          </a:fontRef>
+        </p:style>
+      </p:cxnSp>
+      <p:sp>
+        <p:nvSpPr>
+          <p:cNvPr id="30" name="TextBox 29">
+            <a:extLst>
+              <a:ext uri="{FF2B5EF4-FFF2-40B4-BE49-F238E27FC236}">
+                <a16:creationId xmlns:a16="http://schemas.microsoft.com/office/drawing/2014/main" id="{463EF604-A4A3-0F66-02FC-446C0D0EDBEA}"/>
+              </a:ext>
+            </a:extLst>
+          </p:cNvPr>
+          <p:cNvSpPr txBox="1"/>
+          <p:nvPr/>
+        </p:nvSpPr>
+        <p:spPr>
+          <a:xfrm>
+            <a:off x="2920482" y="4292082"/>
+            <a:ext cx="2052734" cy="646331"/>
+          </a:xfrm>
+          <a:prstGeom prst="rect">
+            <a:avLst/>
+          </a:prstGeom>
+          <a:noFill/>
+        </p:spPr>
+        <p:txBody>
+          <a:bodyPr wrap="square" rtlCol="0">
+            <a:spAutoFit/>
+          </a:bodyPr>
+          <a:lstStyle/>
+          <a:p>
+            <a:r>
+              <a:rPr lang="en-IN" dirty="0"/>
+              <a:t>Read the value and store in j</a:t>
+            </a:r>
+            <a:endParaRPr lang="en-US" dirty="0"/>
+          </a:p>
+        </p:txBody>
+      </p:sp>
+    </p:spTree>
+    <p:extLst>
+      <p:ext uri="{BB962C8B-B14F-4D97-AF65-F5344CB8AC3E}">
+        <p14:creationId xmlns:p14="http://schemas.microsoft.com/office/powerpoint/2010/main" val="2631723114"/>
+      </p:ext>
+    </p:extLst>
+  </p:cSld>
+  <p:clrMapOvr>
+    <a:masterClrMapping/>
+  </p:clrMapOvr>
+</p:sld>
+</file>
+
 <file path=ppt/theme/theme1.xml><?xml version="1.0" encoding="utf-8"?>
 <a:theme xmlns:a="http://schemas.openxmlformats.org/drawingml/2006/main" name="Office Theme">
   <a:themeElements>
